--- a/vignettes/vignetteFigs/00vignetteFigs.pptx
+++ b/vignettes/vignetteFigs/00vignetteFigs.pptx
@@ -197,7 +197,7 @@
           <a:p>
             <a:fld id="{921607FB-4AF3-41D9-93C1-AF2B65302971}" type="datetimeFigureOut">
               <a:rPr lang="en-US" smtClean="0"/>
-              <a:t>8/3/2021</a:t>
+              <a:t>12/28/2021</a:t>
             </a:fld>
             <a:endParaRPr lang="en-US"/>
           </a:p>
@@ -593,7 +593,7 @@
           <a:p>
             <a:fld id="{11D67388-0790-496E-9A12-37055489AF4F}" type="datetimeFigureOut">
               <a:rPr lang="en-US" smtClean="0"/>
-              <a:t>8/3/2021</a:t>
+              <a:t>12/28/2021</a:t>
             </a:fld>
             <a:endParaRPr lang="en-US"/>
           </a:p>
@@ -761,7 +761,7 @@
           <a:p>
             <a:fld id="{11D67388-0790-496E-9A12-37055489AF4F}" type="datetimeFigureOut">
               <a:rPr lang="en-US" smtClean="0"/>
-              <a:t>8/3/2021</a:t>
+              <a:t>12/28/2021</a:t>
             </a:fld>
             <a:endParaRPr lang="en-US"/>
           </a:p>
@@ -939,7 +939,7 @@
           <a:p>
             <a:fld id="{11D67388-0790-496E-9A12-37055489AF4F}" type="datetimeFigureOut">
               <a:rPr lang="en-US" smtClean="0"/>
-              <a:t>8/3/2021</a:t>
+              <a:t>12/28/2021</a:t>
             </a:fld>
             <a:endParaRPr lang="en-US"/>
           </a:p>
@@ -1107,7 +1107,7 @@
           <a:p>
             <a:fld id="{11D67388-0790-496E-9A12-37055489AF4F}" type="datetimeFigureOut">
               <a:rPr lang="en-US" smtClean="0"/>
-              <a:t>8/3/2021</a:t>
+              <a:t>12/28/2021</a:t>
             </a:fld>
             <a:endParaRPr lang="en-US"/>
           </a:p>
@@ -1352,7 +1352,7 @@
           <a:p>
             <a:fld id="{11D67388-0790-496E-9A12-37055489AF4F}" type="datetimeFigureOut">
               <a:rPr lang="en-US" smtClean="0"/>
-              <a:t>8/3/2021</a:t>
+              <a:t>12/28/2021</a:t>
             </a:fld>
             <a:endParaRPr lang="en-US"/>
           </a:p>
@@ -1581,7 +1581,7 @@
           <a:p>
             <a:fld id="{11D67388-0790-496E-9A12-37055489AF4F}" type="datetimeFigureOut">
               <a:rPr lang="en-US" smtClean="0"/>
-              <a:t>8/3/2021</a:t>
+              <a:t>12/28/2021</a:t>
             </a:fld>
             <a:endParaRPr lang="en-US"/>
           </a:p>
@@ -1945,7 +1945,7 @@
           <a:p>
             <a:fld id="{11D67388-0790-496E-9A12-37055489AF4F}" type="datetimeFigureOut">
               <a:rPr lang="en-US" smtClean="0"/>
-              <a:t>8/3/2021</a:t>
+              <a:t>12/28/2021</a:t>
             </a:fld>
             <a:endParaRPr lang="en-US"/>
           </a:p>
@@ -2062,7 +2062,7 @@
           <a:p>
             <a:fld id="{11D67388-0790-496E-9A12-37055489AF4F}" type="datetimeFigureOut">
               <a:rPr lang="en-US" smtClean="0"/>
-              <a:t>8/3/2021</a:t>
+              <a:t>12/28/2021</a:t>
             </a:fld>
             <a:endParaRPr lang="en-US"/>
           </a:p>
@@ -2157,7 +2157,7 @@
           <a:p>
             <a:fld id="{11D67388-0790-496E-9A12-37055489AF4F}" type="datetimeFigureOut">
               <a:rPr lang="en-US" smtClean="0"/>
-              <a:t>8/3/2021</a:t>
+              <a:t>12/28/2021</a:t>
             </a:fld>
             <a:endParaRPr lang="en-US"/>
           </a:p>
@@ -2432,7 +2432,7 @@
           <a:p>
             <a:fld id="{11D67388-0790-496E-9A12-37055489AF4F}" type="datetimeFigureOut">
               <a:rPr lang="en-US" smtClean="0"/>
-              <a:t>8/3/2021</a:t>
+              <a:t>12/28/2021</a:t>
             </a:fld>
             <a:endParaRPr lang="en-US"/>
           </a:p>
@@ -2684,7 +2684,7 @@
           <a:p>
             <a:fld id="{11D67388-0790-496E-9A12-37055489AF4F}" type="datetimeFigureOut">
               <a:rPr lang="en-US" smtClean="0"/>
-              <a:t>8/3/2021</a:t>
+              <a:t>12/28/2021</a:t>
             </a:fld>
             <a:endParaRPr lang="en-US"/>
           </a:p>
@@ -2895,7 +2895,7 @@
           <a:p>
             <a:fld id="{11D67388-0790-496E-9A12-37055489AF4F}" type="datetimeFigureOut">
               <a:rPr lang="en-US" smtClean="0"/>
-              <a:t>8/3/2021</a:t>
+              <a:t>12/28/2021</a:t>
             </a:fld>
             <a:endParaRPr lang="en-US"/>
           </a:p>
@@ -3372,14 +3372,14 @@
           <p:nvPr>
             <p:extLst>
               <p:ext uri="{D42A27DB-BD31-4B8C-83A1-F6EECF244321}">
-                <p14:modId xmlns:p14="http://schemas.microsoft.com/office/powerpoint/2010/main" val="1132859860"/>
+                <p14:modId xmlns:p14="http://schemas.microsoft.com/office/powerpoint/2010/main" val="1456698994"/>
               </p:ext>
             </p:extLst>
           </p:nvPr>
         </p:nvGraphicFramePr>
         <p:xfrm>
-          <a:off x="3103394" y="2995818"/>
-          <a:ext cx="7846082" cy="1524000"/>
+          <a:off x="1974391" y="3361162"/>
+          <a:ext cx="7846080" cy="1524000"/>
         </p:xfrm>
         <a:graphic>
           <a:graphicData uri="http://schemas.openxmlformats.org/drawingml/2006/table">
@@ -3388,2043 +3388,24 @@
                 <a:tableStyleId>{5C22544A-7EE6-4342-B048-85BDC9FD1C3A}</a:tableStyleId>
               </a:tblPr>
               <a:tblGrid>
-                <a:gridCol w="1211367">
+                <a:gridCol w="1059946">
                   <a:extLst>
                     <a:ext uri="{9D8B030D-6E8A-4147-A177-3AD203B41FA5}">
                       <a16:colId xmlns:a16="http://schemas.microsoft.com/office/drawing/2014/main" val="3946551199"/>
                     </a:ext>
                   </a:extLst>
                 </a:gridCol>
-                <a:gridCol w="1030370">
+                <a:gridCol w="901574">
                   <a:extLst>
                     <a:ext uri="{9D8B030D-6E8A-4147-A177-3AD203B41FA5}">
                       <a16:colId xmlns:a16="http://schemas.microsoft.com/office/drawing/2014/main" val="462390170"/>
                     </a:ext>
                   </a:extLst>
                 </a:gridCol>
-                <a:gridCol w="1120869">
-                  <a:extLst>
-                    <a:ext uri="{9D8B030D-6E8A-4147-A177-3AD203B41FA5}">
-                      <a16:colId xmlns:a16="http://schemas.microsoft.com/office/drawing/2014/main" val="910642843"/>
-                    </a:ext>
-                  </a:extLst>
-                </a:gridCol>
-                <a:gridCol w="1120869">
-                  <a:extLst>
-                    <a:ext uri="{9D8B030D-6E8A-4147-A177-3AD203B41FA5}">
-                      <a16:colId xmlns:a16="http://schemas.microsoft.com/office/drawing/2014/main" val="3456375883"/>
-                    </a:ext>
-                  </a:extLst>
-                </a:gridCol>
-                <a:gridCol w="1120869">
-                  <a:extLst>
-                    <a:ext uri="{9D8B030D-6E8A-4147-A177-3AD203B41FA5}">
-                      <a16:colId xmlns:a16="http://schemas.microsoft.com/office/drawing/2014/main" val="3651174690"/>
-                    </a:ext>
-                  </a:extLst>
-                </a:gridCol>
-                <a:gridCol w="1120869">
-                  <a:extLst>
-                    <a:ext uri="{9D8B030D-6E8A-4147-A177-3AD203B41FA5}">
-                      <a16:colId xmlns:a16="http://schemas.microsoft.com/office/drawing/2014/main" val="2568191599"/>
-                    </a:ext>
-                  </a:extLst>
-                </a:gridCol>
-                <a:gridCol w="1120869">
-                  <a:extLst>
-                    <a:ext uri="{9D8B030D-6E8A-4147-A177-3AD203B41FA5}">
-                      <a16:colId xmlns:a16="http://schemas.microsoft.com/office/drawing/2014/main" val="2037149763"/>
-                    </a:ext>
-                  </a:extLst>
-                </a:gridCol>
-              </a:tblGrid>
-              <a:tr h="299110">
-                <a:tc>
-                  <a:txBody>
-                    <a:bodyPr/>
-                    <a:lstStyle/>
-                    <a:p>
-                      <a:pPr algn="ctr"/>
-                      <a:r>
-                        <a:rPr lang="en-US" sz="1400" b="0" dirty="0" err="1">
-                          <a:solidFill>
-                            <a:sysClr val="windowText" lastClr="000000"/>
-                          </a:solidFill>
-                        </a:rPr>
-                        <a:t>subRegion</a:t>
-                      </a:r>
-                      <a:endParaRPr lang="en-US" sz="1400" b="0" dirty="0">
-                        <a:solidFill>
-                          <a:sysClr val="windowText" lastClr="000000"/>
-                        </a:solidFill>
-                      </a:endParaRPr>
-                    </a:p>
-                  </a:txBody>
-                  <a:tcPr>
-                    <a:lnL w="12700" cap="flat" cmpd="sng" algn="ctr">
-                      <a:solidFill>
-                        <a:schemeClr val="tx1"/>
-                      </a:solidFill>
-                      <a:prstDash val="solid"/>
-                      <a:round/>
-                      <a:headEnd type="none" w="med" len="med"/>
-                      <a:tailEnd type="none" w="med" len="med"/>
-                    </a:lnL>
-                    <a:lnR w="12700" cap="flat" cmpd="sng" algn="ctr">
-                      <a:solidFill>
-                        <a:schemeClr val="tx1"/>
-                      </a:solidFill>
-                      <a:prstDash val="solid"/>
-                      <a:round/>
-                      <a:headEnd type="none" w="med" len="med"/>
-                      <a:tailEnd type="none" w="med" len="med"/>
-                    </a:lnR>
-                    <a:lnT w="12700" cap="flat" cmpd="sng" algn="ctr">
-                      <a:solidFill>
-                        <a:schemeClr val="tx1"/>
-                      </a:solidFill>
-                      <a:prstDash val="solid"/>
-                      <a:round/>
-                      <a:headEnd type="none" w="med" len="med"/>
-                      <a:tailEnd type="none" w="med" len="med"/>
-                    </a:lnT>
-                    <a:lnB w="12700" cap="flat" cmpd="sng" algn="ctr">
-                      <a:solidFill>
-                        <a:schemeClr val="tx1"/>
-                      </a:solidFill>
-                      <a:prstDash val="solid"/>
-                      <a:round/>
-                      <a:headEnd type="none" w="med" len="med"/>
-                      <a:tailEnd type="none" w="med" len="med"/>
-                    </a:lnB>
-                    <a:solidFill>
-                      <a:schemeClr val="bg2"/>
-                    </a:solidFill>
-                  </a:tcPr>
-                </a:tc>
-                <a:tc>
-                  <a:txBody>
-                    <a:bodyPr/>
-                    <a:lstStyle/>
-                    <a:p>
-                      <a:pPr algn="ctr"/>
-                      <a:r>
-                        <a:rPr lang="en-US" sz="1400" b="0" dirty="0">
-                          <a:solidFill>
-                            <a:sysClr val="windowText" lastClr="000000"/>
-                          </a:solidFill>
-                        </a:rPr>
-                        <a:t>value</a:t>
-                      </a:r>
-                    </a:p>
-                  </a:txBody>
-                  <a:tcPr>
-                    <a:lnL w="12700" cap="flat" cmpd="sng" algn="ctr">
-                      <a:solidFill>
-                        <a:schemeClr val="tx1"/>
-                      </a:solidFill>
-                      <a:prstDash val="solid"/>
-                      <a:round/>
-                      <a:headEnd type="none" w="med" len="med"/>
-                      <a:tailEnd type="none" w="med" len="med"/>
-                    </a:lnL>
-                    <a:lnR w="12700" cap="flat" cmpd="sng" algn="ctr">
-                      <a:solidFill>
-                        <a:schemeClr val="tx1"/>
-                      </a:solidFill>
-                      <a:prstDash val="solid"/>
-                      <a:round/>
-                      <a:headEnd type="none" w="med" len="med"/>
-                      <a:tailEnd type="none" w="med" len="med"/>
-                    </a:lnR>
-                    <a:lnT w="12700" cap="flat" cmpd="sng" algn="ctr">
-                      <a:solidFill>
-                        <a:schemeClr val="tx1"/>
-                      </a:solidFill>
-                      <a:prstDash val="solid"/>
-                      <a:round/>
-                      <a:headEnd type="none" w="med" len="med"/>
-                      <a:tailEnd type="none" w="med" len="med"/>
-                    </a:lnT>
-                    <a:lnB w="12700" cap="flat" cmpd="sng" algn="ctr">
-                      <a:solidFill>
-                        <a:schemeClr val="tx1"/>
-                      </a:solidFill>
-                      <a:prstDash val="solid"/>
-                      <a:round/>
-                      <a:headEnd type="none" w="med" len="med"/>
-                      <a:tailEnd type="none" w="med" len="med"/>
-                    </a:lnB>
-                    <a:solidFill>
-                      <a:schemeClr val="bg2"/>
-                    </a:solidFill>
-                  </a:tcPr>
-                </a:tc>
-                <a:tc>
-                  <a:txBody>
-                    <a:bodyPr/>
-                    <a:lstStyle/>
-                    <a:p>
-                      <a:pPr algn="ctr"/>
-                      <a:r>
-                        <a:rPr lang="en-US" sz="1400" b="1" dirty="0">
-                          <a:solidFill>
-                            <a:srgbClr val="00B050"/>
-                          </a:solidFill>
-                        </a:rPr>
-                        <a:t>param</a:t>
-                      </a:r>
-                    </a:p>
-                  </a:txBody>
-                  <a:tcPr>
-                    <a:lnL w="12700" cap="flat" cmpd="sng" algn="ctr">
-                      <a:solidFill>
-                        <a:schemeClr val="tx1"/>
-                      </a:solidFill>
-                      <a:prstDash val="solid"/>
-                      <a:round/>
-                      <a:headEnd type="none" w="med" len="med"/>
-                      <a:tailEnd type="none" w="med" len="med"/>
-                    </a:lnL>
-                    <a:lnR w="12700" cap="flat" cmpd="sng" algn="ctr">
-                      <a:solidFill>
-                        <a:schemeClr val="tx1"/>
-                      </a:solidFill>
-                      <a:prstDash val="solid"/>
-                      <a:round/>
-                      <a:headEnd type="none" w="med" len="med"/>
-                      <a:tailEnd type="none" w="med" len="med"/>
-                    </a:lnR>
-                    <a:lnT w="12700" cap="flat" cmpd="sng" algn="ctr">
-                      <a:solidFill>
-                        <a:schemeClr val="tx1"/>
-                      </a:solidFill>
-                      <a:prstDash val="solid"/>
-                      <a:round/>
-                      <a:headEnd type="none" w="med" len="med"/>
-                      <a:tailEnd type="none" w="med" len="med"/>
-                    </a:lnT>
-                    <a:lnB w="12700" cap="flat" cmpd="sng" algn="ctr">
-                      <a:solidFill>
-                        <a:schemeClr val="tx1"/>
-                      </a:solidFill>
-                      <a:prstDash val="solid"/>
-                      <a:round/>
-                      <a:headEnd type="none" w="med" len="med"/>
-                      <a:tailEnd type="none" w="med" len="med"/>
-                    </a:lnB>
-                    <a:solidFill>
-                      <a:schemeClr val="bg2"/>
-                    </a:solidFill>
-                  </a:tcPr>
-                </a:tc>
-                <a:tc>
-                  <a:txBody>
-                    <a:bodyPr/>
-                    <a:lstStyle/>
-                    <a:p>
-                      <a:pPr algn="ctr"/>
-                      <a:r>
-                        <a:rPr lang="en-US" sz="1400" b="1" dirty="0">
-                          <a:solidFill>
-                            <a:srgbClr val="00B050"/>
-                          </a:solidFill>
-                        </a:rPr>
-                        <a:t>scenario</a:t>
-                      </a:r>
-                    </a:p>
-                  </a:txBody>
-                  <a:tcPr>
-                    <a:lnL w="12700" cap="flat" cmpd="sng" algn="ctr">
-                      <a:solidFill>
-                        <a:schemeClr val="tx1"/>
-                      </a:solidFill>
-                      <a:prstDash val="solid"/>
-                      <a:round/>
-                      <a:headEnd type="none" w="med" len="med"/>
-                      <a:tailEnd type="none" w="med" len="med"/>
-                    </a:lnL>
-                    <a:lnR w="12700" cap="flat" cmpd="sng" algn="ctr">
-                      <a:solidFill>
-                        <a:schemeClr val="tx1"/>
-                      </a:solidFill>
-                      <a:prstDash val="solid"/>
-                      <a:round/>
-                      <a:headEnd type="none" w="med" len="med"/>
-                      <a:tailEnd type="none" w="med" len="med"/>
-                    </a:lnR>
-                    <a:lnT w="12700" cap="flat" cmpd="sng" algn="ctr">
-                      <a:solidFill>
-                        <a:schemeClr val="tx1"/>
-                      </a:solidFill>
-                      <a:prstDash val="solid"/>
-                      <a:round/>
-                      <a:headEnd type="none" w="med" len="med"/>
-                      <a:tailEnd type="none" w="med" len="med"/>
-                    </a:lnT>
-                    <a:lnB w="12700" cap="flat" cmpd="sng" algn="ctr">
-                      <a:solidFill>
-                        <a:schemeClr val="tx1"/>
-                      </a:solidFill>
-                      <a:prstDash val="solid"/>
-                      <a:round/>
-                      <a:headEnd type="none" w="med" len="med"/>
-                      <a:tailEnd type="none" w="med" len="med"/>
-                    </a:lnB>
-                    <a:solidFill>
-                      <a:schemeClr val="bg2"/>
-                    </a:solidFill>
-                  </a:tcPr>
-                </a:tc>
-                <a:tc>
-                  <a:txBody>
-                    <a:bodyPr/>
-                    <a:lstStyle/>
-                    <a:p>
-                      <a:pPr algn="ctr"/>
-                      <a:r>
-                        <a:rPr lang="en-US" sz="1400" b="1" dirty="0">
-                          <a:solidFill>
-                            <a:srgbClr val="00B050"/>
-                          </a:solidFill>
-                        </a:rPr>
-                        <a:t>class</a:t>
-                      </a:r>
-                    </a:p>
-                  </a:txBody>
-                  <a:tcPr>
-                    <a:lnL w="12700" cap="flat" cmpd="sng" algn="ctr">
-                      <a:solidFill>
-                        <a:schemeClr val="tx1"/>
-                      </a:solidFill>
-                      <a:prstDash val="solid"/>
-                      <a:round/>
-                      <a:headEnd type="none" w="med" len="med"/>
-                      <a:tailEnd type="none" w="med" len="med"/>
-                    </a:lnL>
-                    <a:lnR w="12700" cap="flat" cmpd="sng" algn="ctr">
-                      <a:solidFill>
-                        <a:schemeClr val="tx1"/>
-                      </a:solidFill>
-                      <a:prstDash val="solid"/>
-                      <a:round/>
-                      <a:headEnd type="none" w="med" len="med"/>
-                      <a:tailEnd type="none" w="med" len="med"/>
-                    </a:lnR>
-                    <a:lnT w="12700" cap="flat" cmpd="sng" algn="ctr">
-                      <a:solidFill>
-                        <a:schemeClr val="tx1"/>
-                      </a:solidFill>
-                      <a:prstDash val="solid"/>
-                      <a:round/>
-                      <a:headEnd type="none" w="med" len="med"/>
-                      <a:tailEnd type="none" w="med" len="med"/>
-                    </a:lnT>
-                    <a:lnB w="12700" cap="flat" cmpd="sng" algn="ctr">
-                      <a:solidFill>
-                        <a:schemeClr val="tx1"/>
-                      </a:solidFill>
-                      <a:prstDash val="solid"/>
-                      <a:round/>
-                      <a:headEnd type="none" w="med" len="med"/>
-                      <a:tailEnd type="none" w="med" len="med"/>
-                    </a:lnB>
-                    <a:solidFill>
-                      <a:schemeClr val="bg2"/>
-                    </a:solidFill>
-                  </a:tcPr>
-                </a:tc>
-                <a:tc>
-                  <a:txBody>
-                    <a:bodyPr/>
-                    <a:lstStyle/>
-                    <a:p>
-                      <a:pPr algn="ctr"/>
-                      <a:r>
-                        <a:rPr lang="en-US" sz="1400" b="1" dirty="0">
-                          <a:solidFill>
-                            <a:srgbClr val="00B050"/>
-                          </a:solidFill>
-                        </a:rPr>
-                        <a:t>year</a:t>
-                      </a:r>
-                    </a:p>
-                  </a:txBody>
-                  <a:tcPr>
-                    <a:lnL w="12700" cap="flat" cmpd="sng" algn="ctr">
-                      <a:solidFill>
-                        <a:schemeClr val="tx1"/>
-                      </a:solidFill>
-                      <a:prstDash val="solid"/>
-                      <a:round/>
-                      <a:headEnd type="none" w="med" len="med"/>
-                      <a:tailEnd type="none" w="med" len="med"/>
-                    </a:lnL>
-                    <a:lnR w="12700" cap="flat" cmpd="sng" algn="ctr">
-                      <a:solidFill>
-                        <a:schemeClr val="tx1"/>
-                      </a:solidFill>
-                      <a:prstDash val="solid"/>
-                      <a:round/>
-                      <a:headEnd type="none" w="med" len="med"/>
-                      <a:tailEnd type="none" w="med" len="med"/>
-                    </a:lnR>
-                    <a:lnT w="12700" cap="flat" cmpd="sng" algn="ctr">
-                      <a:solidFill>
-                        <a:schemeClr val="tx1"/>
-                      </a:solidFill>
-                      <a:prstDash val="solid"/>
-                      <a:round/>
-                      <a:headEnd type="none" w="med" len="med"/>
-                      <a:tailEnd type="none" w="med" len="med"/>
-                    </a:lnT>
-                    <a:lnB w="12700" cap="flat" cmpd="sng" algn="ctr">
-                      <a:solidFill>
-                        <a:schemeClr val="tx1"/>
-                      </a:solidFill>
-                      <a:prstDash val="solid"/>
-                      <a:round/>
-                      <a:headEnd type="none" w="med" len="med"/>
-                      <a:tailEnd type="none" w="med" len="med"/>
-                    </a:lnB>
-                    <a:solidFill>
-                      <a:schemeClr val="bg2"/>
-                    </a:solidFill>
-                  </a:tcPr>
-                </a:tc>
-                <a:tc>
-                  <a:txBody>
-                    <a:bodyPr/>
-                    <a:lstStyle/>
-                    <a:p>
-                      <a:pPr algn="ctr"/>
-                      <a:r>
-                        <a:rPr lang="en-US" sz="1400" b="1" dirty="0">
-                          <a:solidFill>
-                            <a:srgbClr val="00B050"/>
-                          </a:solidFill>
-                        </a:rPr>
-                        <a:t>units</a:t>
-                      </a:r>
-                    </a:p>
-                  </a:txBody>
-                  <a:tcPr>
-                    <a:lnL w="12700" cap="flat" cmpd="sng" algn="ctr">
-                      <a:solidFill>
-                        <a:schemeClr val="tx1"/>
-                      </a:solidFill>
-                      <a:prstDash val="solid"/>
-                      <a:round/>
-                      <a:headEnd type="none" w="med" len="med"/>
-                      <a:tailEnd type="none" w="med" len="med"/>
-                    </a:lnL>
-                    <a:lnR w="12700" cap="flat" cmpd="sng" algn="ctr">
-                      <a:solidFill>
-                        <a:schemeClr val="tx1"/>
-                      </a:solidFill>
-                      <a:prstDash val="solid"/>
-                      <a:round/>
-                      <a:headEnd type="none" w="med" len="med"/>
-                      <a:tailEnd type="none" w="med" len="med"/>
-                    </a:lnR>
-                    <a:lnT w="12700" cap="flat" cmpd="sng" algn="ctr">
-                      <a:solidFill>
-                        <a:schemeClr val="tx1"/>
-                      </a:solidFill>
-                      <a:prstDash val="solid"/>
-                      <a:round/>
-                      <a:headEnd type="none" w="med" len="med"/>
-                      <a:tailEnd type="none" w="med" len="med"/>
-                    </a:lnT>
-                    <a:lnB w="12700" cap="flat" cmpd="sng" algn="ctr">
-                      <a:solidFill>
-                        <a:schemeClr val="tx1"/>
-                      </a:solidFill>
-                      <a:prstDash val="solid"/>
-                      <a:round/>
-                      <a:headEnd type="none" w="med" len="med"/>
-                      <a:tailEnd type="none" w="med" len="med"/>
-                    </a:lnB>
-                    <a:solidFill>
-                      <a:schemeClr val="bg2"/>
-                    </a:solidFill>
-                  </a:tcPr>
-                </a:tc>
-                <a:extLst>
-                  <a:ext uri="{0D108BD9-81ED-4DB2-BD59-A6C34878D82A}">
-                    <a16:rowId xmlns:a16="http://schemas.microsoft.com/office/drawing/2014/main" val="2755107682"/>
-                  </a:ext>
-                </a:extLst>
-              </a:tr>
-              <a:tr h="218921">
-                <a:tc>
-                  <a:txBody>
-                    <a:bodyPr/>
-                    <a:lstStyle/>
-                    <a:p>
-                      <a:pPr algn="ctr"/>
-                      <a:r>
-                        <a:rPr lang="en-US" sz="1400" dirty="0">
-                          <a:solidFill>
-                            <a:sysClr val="windowText" lastClr="000000"/>
-                          </a:solidFill>
-                        </a:rPr>
-                        <a:t>CA</a:t>
-                      </a:r>
-                    </a:p>
-                  </a:txBody>
-                  <a:tcPr>
-                    <a:lnL w="12700" cap="flat" cmpd="sng" algn="ctr">
-                      <a:solidFill>
-                        <a:schemeClr val="tx1"/>
-                      </a:solidFill>
-                      <a:prstDash val="solid"/>
-                      <a:round/>
-                      <a:headEnd type="none" w="med" len="med"/>
-                      <a:tailEnd type="none" w="med" len="med"/>
-                    </a:lnL>
-                    <a:lnR w="12700" cap="flat" cmpd="sng" algn="ctr">
-                      <a:solidFill>
-                        <a:schemeClr val="tx1"/>
-                      </a:solidFill>
-                      <a:prstDash val="solid"/>
-                      <a:round/>
-                      <a:headEnd type="none" w="med" len="med"/>
-                      <a:tailEnd type="none" w="med" len="med"/>
-                    </a:lnR>
-                    <a:lnT w="12700" cap="flat" cmpd="sng" algn="ctr">
-                      <a:solidFill>
-                        <a:schemeClr val="tx1"/>
-                      </a:solidFill>
-                      <a:prstDash val="solid"/>
-                      <a:round/>
-                      <a:headEnd type="none" w="med" len="med"/>
-                      <a:tailEnd type="none" w="med" len="med"/>
-                    </a:lnT>
-                    <a:lnB w="12700" cap="flat" cmpd="sng" algn="ctr">
-                      <a:solidFill>
-                        <a:schemeClr val="tx1"/>
-                      </a:solidFill>
-                      <a:prstDash val="solid"/>
-                      <a:round/>
-                      <a:headEnd type="none" w="med" len="med"/>
-                      <a:tailEnd type="none" w="med" len="med"/>
-                    </a:lnB>
-                    <a:noFill/>
-                  </a:tcPr>
-                </a:tc>
-                <a:tc>
-                  <a:txBody>
-                    <a:bodyPr/>
-                    <a:lstStyle/>
-                    <a:p>
-                      <a:pPr algn="ctr"/>
-                      <a:r>
-                        <a:rPr lang="en-US" sz="1400" dirty="0">
-                          <a:solidFill>
-                            <a:sysClr val="windowText" lastClr="000000"/>
-                          </a:solidFill>
-                        </a:rPr>
-                        <a:t>5</a:t>
-                      </a:r>
-                    </a:p>
-                  </a:txBody>
-                  <a:tcPr>
-                    <a:lnL w="12700" cap="flat" cmpd="sng" algn="ctr">
-                      <a:solidFill>
-                        <a:schemeClr val="tx1"/>
-                      </a:solidFill>
-                      <a:prstDash val="solid"/>
-                      <a:round/>
-                      <a:headEnd type="none" w="med" len="med"/>
-                      <a:tailEnd type="none" w="med" len="med"/>
-                    </a:lnL>
-                    <a:lnR w="12700" cap="flat" cmpd="sng" algn="ctr">
-                      <a:solidFill>
-                        <a:schemeClr val="tx1"/>
-                      </a:solidFill>
-                      <a:prstDash val="solid"/>
-                      <a:round/>
-                      <a:headEnd type="none" w="med" len="med"/>
-                      <a:tailEnd type="none" w="med" len="med"/>
-                    </a:lnR>
-                    <a:lnT w="12700" cap="flat" cmpd="sng" algn="ctr">
-                      <a:solidFill>
-                        <a:schemeClr val="tx1"/>
-                      </a:solidFill>
-                      <a:prstDash val="solid"/>
-                      <a:round/>
-                      <a:headEnd type="none" w="med" len="med"/>
-                      <a:tailEnd type="none" w="med" len="med"/>
-                    </a:lnT>
-                    <a:lnB w="12700" cap="flat" cmpd="sng" algn="ctr">
-                      <a:solidFill>
-                        <a:schemeClr val="tx1"/>
-                      </a:solidFill>
-                      <a:prstDash val="solid"/>
-                      <a:round/>
-                      <a:headEnd type="none" w="med" len="med"/>
-                      <a:tailEnd type="none" w="med" len="med"/>
-                    </a:lnB>
-                    <a:noFill/>
-                  </a:tcPr>
-                </a:tc>
-                <a:tc>
-                  <a:txBody>
-                    <a:bodyPr/>
-                    <a:lstStyle/>
-                    <a:p>
-                      <a:endParaRPr lang="en-US" sz="1400" dirty="0">
-                        <a:solidFill>
-                          <a:sysClr val="windowText" lastClr="000000"/>
-                        </a:solidFill>
-                      </a:endParaRPr>
-                    </a:p>
-                  </a:txBody>
-                  <a:tcPr>
-                    <a:lnL w="12700" cap="flat" cmpd="sng" algn="ctr">
-                      <a:solidFill>
-                        <a:schemeClr val="tx1"/>
-                      </a:solidFill>
-                      <a:prstDash val="solid"/>
-                      <a:round/>
-                      <a:headEnd type="none" w="med" len="med"/>
-                      <a:tailEnd type="none" w="med" len="med"/>
-                    </a:lnL>
-                    <a:lnR w="12700" cap="flat" cmpd="sng" algn="ctr">
-                      <a:solidFill>
-                        <a:schemeClr val="tx1"/>
-                      </a:solidFill>
-                      <a:prstDash val="solid"/>
-                      <a:round/>
-                      <a:headEnd type="none" w="med" len="med"/>
-                      <a:tailEnd type="none" w="med" len="med"/>
-                    </a:lnR>
-                    <a:lnT w="12700" cap="flat" cmpd="sng" algn="ctr">
-                      <a:solidFill>
-                        <a:schemeClr val="tx1"/>
-                      </a:solidFill>
-                      <a:prstDash val="solid"/>
-                      <a:round/>
-                      <a:headEnd type="none" w="med" len="med"/>
-                      <a:tailEnd type="none" w="med" len="med"/>
-                    </a:lnT>
-                    <a:lnB w="12700" cap="flat" cmpd="sng" algn="ctr">
-                      <a:solidFill>
-                        <a:schemeClr val="tx1"/>
-                      </a:solidFill>
-                      <a:prstDash val="solid"/>
-                      <a:round/>
-                      <a:headEnd type="none" w="med" len="med"/>
-                      <a:tailEnd type="none" w="med" len="med"/>
-                    </a:lnB>
-                    <a:noFill/>
-                  </a:tcPr>
-                </a:tc>
-                <a:tc>
-                  <a:txBody>
-                    <a:bodyPr/>
-                    <a:lstStyle/>
-                    <a:p>
-                      <a:endParaRPr lang="en-US" sz="1400">
-                        <a:solidFill>
-                          <a:sysClr val="windowText" lastClr="000000"/>
-                        </a:solidFill>
-                      </a:endParaRPr>
-                    </a:p>
-                  </a:txBody>
-                  <a:tcPr>
-                    <a:lnL w="12700" cap="flat" cmpd="sng" algn="ctr">
-                      <a:solidFill>
-                        <a:schemeClr val="tx1"/>
-                      </a:solidFill>
-                      <a:prstDash val="solid"/>
-                      <a:round/>
-                      <a:headEnd type="none" w="med" len="med"/>
-                      <a:tailEnd type="none" w="med" len="med"/>
-                    </a:lnL>
-                    <a:lnR w="12700" cap="flat" cmpd="sng" algn="ctr">
-                      <a:solidFill>
-                        <a:schemeClr val="tx1"/>
-                      </a:solidFill>
-                      <a:prstDash val="solid"/>
-                      <a:round/>
-                      <a:headEnd type="none" w="med" len="med"/>
-                      <a:tailEnd type="none" w="med" len="med"/>
-                    </a:lnR>
-                    <a:lnT w="12700" cap="flat" cmpd="sng" algn="ctr">
-                      <a:solidFill>
-                        <a:schemeClr val="tx1"/>
-                      </a:solidFill>
-                      <a:prstDash val="solid"/>
-                      <a:round/>
-                      <a:headEnd type="none" w="med" len="med"/>
-                      <a:tailEnd type="none" w="med" len="med"/>
-                    </a:lnT>
-                    <a:lnB w="12700" cap="flat" cmpd="sng" algn="ctr">
-                      <a:solidFill>
-                        <a:schemeClr val="tx1"/>
-                      </a:solidFill>
-                      <a:prstDash val="solid"/>
-                      <a:round/>
-                      <a:headEnd type="none" w="med" len="med"/>
-                      <a:tailEnd type="none" w="med" len="med"/>
-                    </a:lnB>
-                    <a:noFill/>
-                  </a:tcPr>
-                </a:tc>
-                <a:tc>
-                  <a:txBody>
-                    <a:bodyPr/>
-                    <a:lstStyle/>
-                    <a:p>
-                      <a:endParaRPr lang="en-US" sz="1400">
-                        <a:solidFill>
-                          <a:sysClr val="windowText" lastClr="000000"/>
-                        </a:solidFill>
-                      </a:endParaRPr>
-                    </a:p>
-                  </a:txBody>
-                  <a:tcPr>
-                    <a:lnL w="12700" cap="flat" cmpd="sng" algn="ctr">
-                      <a:solidFill>
-                        <a:schemeClr val="tx1"/>
-                      </a:solidFill>
-                      <a:prstDash val="solid"/>
-                      <a:round/>
-                      <a:headEnd type="none" w="med" len="med"/>
-                      <a:tailEnd type="none" w="med" len="med"/>
-                    </a:lnL>
-                    <a:lnR w="12700" cap="flat" cmpd="sng" algn="ctr">
-                      <a:solidFill>
-                        <a:schemeClr val="tx1"/>
-                      </a:solidFill>
-                      <a:prstDash val="solid"/>
-                      <a:round/>
-                      <a:headEnd type="none" w="med" len="med"/>
-                      <a:tailEnd type="none" w="med" len="med"/>
-                    </a:lnR>
-                    <a:lnT w="12700" cap="flat" cmpd="sng" algn="ctr">
-                      <a:solidFill>
-                        <a:schemeClr val="tx1"/>
-                      </a:solidFill>
-                      <a:prstDash val="solid"/>
-                      <a:round/>
-                      <a:headEnd type="none" w="med" len="med"/>
-                      <a:tailEnd type="none" w="med" len="med"/>
-                    </a:lnT>
-                    <a:lnB w="12700" cap="flat" cmpd="sng" algn="ctr">
-                      <a:solidFill>
-                        <a:schemeClr val="tx1"/>
-                      </a:solidFill>
-                      <a:prstDash val="solid"/>
-                      <a:round/>
-                      <a:headEnd type="none" w="med" len="med"/>
-                      <a:tailEnd type="none" w="med" len="med"/>
-                    </a:lnB>
-                    <a:noFill/>
-                  </a:tcPr>
-                </a:tc>
-                <a:tc>
-                  <a:txBody>
-                    <a:bodyPr/>
-                    <a:lstStyle/>
-                    <a:p>
-                      <a:endParaRPr lang="en-US" sz="1400">
-                        <a:solidFill>
-                          <a:sysClr val="windowText" lastClr="000000"/>
-                        </a:solidFill>
-                      </a:endParaRPr>
-                    </a:p>
-                  </a:txBody>
-                  <a:tcPr>
-                    <a:lnL w="12700" cap="flat" cmpd="sng" algn="ctr">
-                      <a:solidFill>
-                        <a:schemeClr val="tx1"/>
-                      </a:solidFill>
-                      <a:prstDash val="solid"/>
-                      <a:round/>
-                      <a:headEnd type="none" w="med" len="med"/>
-                      <a:tailEnd type="none" w="med" len="med"/>
-                    </a:lnL>
-                    <a:lnR w="12700" cap="flat" cmpd="sng" algn="ctr">
-                      <a:solidFill>
-                        <a:schemeClr val="tx1"/>
-                      </a:solidFill>
-                      <a:prstDash val="solid"/>
-                      <a:round/>
-                      <a:headEnd type="none" w="med" len="med"/>
-                      <a:tailEnd type="none" w="med" len="med"/>
-                    </a:lnR>
-                    <a:lnT w="12700" cap="flat" cmpd="sng" algn="ctr">
-                      <a:solidFill>
-                        <a:schemeClr val="tx1"/>
-                      </a:solidFill>
-                      <a:prstDash val="solid"/>
-                      <a:round/>
-                      <a:headEnd type="none" w="med" len="med"/>
-                      <a:tailEnd type="none" w="med" len="med"/>
-                    </a:lnT>
-                    <a:lnB w="12700" cap="flat" cmpd="sng" algn="ctr">
-                      <a:solidFill>
-                        <a:schemeClr val="tx1"/>
-                      </a:solidFill>
-                      <a:prstDash val="solid"/>
-                      <a:round/>
-                      <a:headEnd type="none" w="med" len="med"/>
-                      <a:tailEnd type="none" w="med" len="med"/>
-                    </a:lnB>
-                    <a:noFill/>
-                  </a:tcPr>
-                </a:tc>
-                <a:tc>
-                  <a:txBody>
-                    <a:bodyPr/>
-                    <a:lstStyle/>
-                    <a:p>
-                      <a:endParaRPr lang="en-US" sz="1400" dirty="0">
-                        <a:solidFill>
-                          <a:sysClr val="windowText" lastClr="000000"/>
-                        </a:solidFill>
-                      </a:endParaRPr>
-                    </a:p>
-                  </a:txBody>
-                  <a:tcPr>
-                    <a:lnL w="12700" cap="flat" cmpd="sng" algn="ctr">
-                      <a:solidFill>
-                        <a:schemeClr val="tx1"/>
-                      </a:solidFill>
-                      <a:prstDash val="solid"/>
-                      <a:round/>
-                      <a:headEnd type="none" w="med" len="med"/>
-                      <a:tailEnd type="none" w="med" len="med"/>
-                    </a:lnL>
-                    <a:lnR w="12700" cap="flat" cmpd="sng" algn="ctr">
-                      <a:solidFill>
-                        <a:schemeClr val="tx1"/>
-                      </a:solidFill>
-                      <a:prstDash val="solid"/>
-                      <a:round/>
-                      <a:headEnd type="none" w="med" len="med"/>
-                      <a:tailEnd type="none" w="med" len="med"/>
-                    </a:lnR>
-                    <a:lnT w="12700" cap="flat" cmpd="sng" algn="ctr">
-                      <a:solidFill>
-                        <a:schemeClr val="tx1"/>
-                      </a:solidFill>
-                      <a:prstDash val="solid"/>
-                      <a:round/>
-                      <a:headEnd type="none" w="med" len="med"/>
-                      <a:tailEnd type="none" w="med" len="med"/>
-                    </a:lnT>
-                    <a:lnB w="12700" cap="flat" cmpd="sng" algn="ctr">
-                      <a:solidFill>
-                        <a:schemeClr val="tx1"/>
-                      </a:solidFill>
-                      <a:prstDash val="solid"/>
-                      <a:round/>
-                      <a:headEnd type="none" w="med" len="med"/>
-                      <a:tailEnd type="none" w="med" len="med"/>
-                    </a:lnB>
-                    <a:noFill/>
-                  </a:tcPr>
-                </a:tc>
-                <a:extLst>
-                  <a:ext uri="{0D108BD9-81ED-4DB2-BD59-A6C34878D82A}">
-                    <a16:rowId xmlns:a16="http://schemas.microsoft.com/office/drawing/2014/main" val="2350944767"/>
-                  </a:ext>
-                </a:extLst>
-              </a:tr>
-              <a:tr h="218921">
-                <a:tc>
-                  <a:txBody>
-                    <a:bodyPr/>
-                    <a:lstStyle/>
-                    <a:p>
-                      <a:pPr algn="ctr"/>
-                      <a:r>
-                        <a:rPr lang="en-US" sz="1400" dirty="0">
-                          <a:solidFill>
-                            <a:sysClr val="windowText" lastClr="000000"/>
-                          </a:solidFill>
-                        </a:rPr>
-                        <a:t>FL</a:t>
-                      </a:r>
-                    </a:p>
-                  </a:txBody>
-                  <a:tcPr>
-                    <a:lnL w="12700" cap="flat" cmpd="sng" algn="ctr">
-                      <a:solidFill>
-                        <a:schemeClr val="tx1"/>
-                      </a:solidFill>
-                      <a:prstDash val="solid"/>
-                      <a:round/>
-                      <a:headEnd type="none" w="med" len="med"/>
-                      <a:tailEnd type="none" w="med" len="med"/>
-                    </a:lnL>
-                    <a:lnR w="12700" cap="flat" cmpd="sng" algn="ctr">
-                      <a:solidFill>
-                        <a:schemeClr val="tx1"/>
-                      </a:solidFill>
-                      <a:prstDash val="solid"/>
-                      <a:round/>
-                      <a:headEnd type="none" w="med" len="med"/>
-                      <a:tailEnd type="none" w="med" len="med"/>
-                    </a:lnR>
-                    <a:lnT w="12700" cap="flat" cmpd="sng" algn="ctr">
-                      <a:solidFill>
-                        <a:schemeClr val="tx1"/>
-                      </a:solidFill>
-                      <a:prstDash val="solid"/>
-                      <a:round/>
-                      <a:headEnd type="none" w="med" len="med"/>
-                      <a:tailEnd type="none" w="med" len="med"/>
-                    </a:lnT>
-                    <a:lnB w="12700" cap="flat" cmpd="sng" algn="ctr">
-                      <a:solidFill>
-                        <a:schemeClr val="tx1"/>
-                      </a:solidFill>
-                      <a:prstDash val="solid"/>
-                      <a:round/>
-                      <a:headEnd type="none" w="med" len="med"/>
-                      <a:tailEnd type="none" w="med" len="med"/>
-                    </a:lnB>
-                    <a:noFill/>
-                  </a:tcPr>
-                </a:tc>
-                <a:tc>
-                  <a:txBody>
-                    <a:bodyPr/>
-                    <a:lstStyle/>
-                    <a:p>
-                      <a:pPr algn="ctr"/>
-                      <a:r>
-                        <a:rPr lang="en-US" sz="1400" dirty="0">
-                          <a:solidFill>
-                            <a:sysClr val="windowText" lastClr="000000"/>
-                          </a:solidFill>
-                        </a:rPr>
-                        <a:t>10</a:t>
-                      </a:r>
-                    </a:p>
-                  </a:txBody>
-                  <a:tcPr>
-                    <a:lnL w="12700" cap="flat" cmpd="sng" algn="ctr">
-                      <a:solidFill>
-                        <a:schemeClr val="tx1"/>
-                      </a:solidFill>
-                      <a:prstDash val="solid"/>
-                      <a:round/>
-                      <a:headEnd type="none" w="med" len="med"/>
-                      <a:tailEnd type="none" w="med" len="med"/>
-                    </a:lnL>
-                    <a:lnR w="12700" cap="flat" cmpd="sng" algn="ctr">
-                      <a:solidFill>
-                        <a:schemeClr val="tx1"/>
-                      </a:solidFill>
-                      <a:prstDash val="solid"/>
-                      <a:round/>
-                      <a:headEnd type="none" w="med" len="med"/>
-                      <a:tailEnd type="none" w="med" len="med"/>
-                    </a:lnR>
-                    <a:lnT w="12700" cap="flat" cmpd="sng" algn="ctr">
-                      <a:solidFill>
-                        <a:schemeClr val="tx1"/>
-                      </a:solidFill>
-                      <a:prstDash val="solid"/>
-                      <a:round/>
-                      <a:headEnd type="none" w="med" len="med"/>
-                      <a:tailEnd type="none" w="med" len="med"/>
-                    </a:lnT>
-                    <a:lnB w="12700" cap="flat" cmpd="sng" algn="ctr">
-                      <a:solidFill>
-                        <a:schemeClr val="tx1"/>
-                      </a:solidFill>
-                      <a:prstDash val="solid"/>
-                      <a:round/>
-                      <a:headEnd type="none" w="med" len="med"/>
-                      <a:tailEnd type="none" w="med" len="med"/>
-                    </a:lnB>
-                    <a:noFill/>
-                  </a:tcPr>
-                </a:tc>
-                <a:tc>
-                  <a:txBody>
-                    <a:bodyPr/>
-                    <a:lstStyle/>
-                    <a:p>
-                      <a:endParaRPr lang="en-US" sz="1400" dirty="0">
-                        <a:solidFill>
-                          <a:sysClr val="windowText" lastClr="000000"/>
-                        </a:solidFill>
-                      </a:endParaRPr>
-                    </a:p>
-                  </a:txBody>
-                  <a:tcPr>
-                    <a:lnL w="12700" cap="flat" cmpd="sng" algn="ctr">
-                      <a:solidFill>
-                        <a:schemeClr val="tx1"/>
-                      </a:solidFill>
-                      <a:prstDash val="solid"/>
-                      <a:round/>
-                      <a:headEnd type="none" w="med" len="med"/>
-                      <a:tailEnd type="none" w="med" len="med"/>
-                    </a:lnL>
-                    <a:lnR w="12700" cap="flat" cmpd="sng" algn="ctr">
-                      <a:solidFill>
-                        <a:schemeClr val="tx1"/>
-                      </a:solidFill>
-                      <a:prstDash val="solid"/>
-                      <a:round/>
-                      <a:headEnd type="none" w="med" len="med"/>
-                      <a:tailEnd type="none" w="med" len="med"/>
-                    </a:lnR>
-                    <a:lnT w="12700" cap="flat" cmpd="sng" algn="ctr">
-                      <a:solidFill>
-                        <a:schemeClr val="tx1"/>
-                      </a:solidFill>
-                      <a:prstDash val="solid"/>
-                      <a:round/>
-                      <a:headEnd type="none" w="med" len="med"/>
-                      <a:tailEnd type="none" w="med" len="med"/>
-                    </a:lnT>
-                    <a:lnB w="12700" cap="flat" cmpd="sng" algn="ctr">
-                      <a:solidFill>
-                        <a:schemeClr val="tx1"/>
-                      </a:solidFill>
-                      <a:prstDash val="solid"/>
-                      <a:round/>
-                      <a:headEnd type="none" w="med" len="med"/>
-                      <a:tailEnd type="none" w="med" len="med"/>
-                    </a:lnB>
-                    <a:noFill/>
-                  </a:tcPr>
-                </a:tc>
-                <a:tc>
-                  <a:txBody>
-                    <a:bodyPr/>
-                    <a:lstStyle/>
-                    <a:p>
-                      <a:endParaRPr lang="en-US" sz="1400" dirty="0">
-                        <a:solidFill>
-                          <a:sysClr val="windowText" lastClr="000000"/>
-                        </a:solidFill>
-                      </a:endParaRPr>
-                    </a:p>
-                  </a:txBody>
-                  <a:tcPr>
-                    <a:lnL w="12700" cap="flat" cmpd="sng" algn="ctr">
-                      <a:solidFill>
-                        <a:schemeClr val="tx1"/>
-                      </a:solidFill>
-                      <a:prstDash val="solid"/>
-                      <a:round/>
-                      <a:headEnd type="none" w="med" len="med"/>
-                      <a:tailEnd type="none" w="med" len="med"/>
-                    </a:lnL>
-                    <a:lnR w="12700" cap="flat" cmpd="sng" algn="ctr">
-                      <a:solidFill>
-                        <a:schemeClr val="tx1"/>
-                      </a:solidFill>
-                      <a:prstDash val="solid"/>
-                      <a:round/>
-                      <a:headEnd type="none" w="med" len="med"/>
-                      <a:tailEnd type="none" w="med" len="med"/>
-                    </a:lnR>
-                    <a:lnT w="12700" cap="flat" cmpd="sng" algn="ctr">
-                      <a:solidFill>
-                        <a:schemeClr val="tx1"/>
-                      </a:solidFill>
-                      <a:prstDash val="solid"/>
-                      <a:round/>
-                      <a:headEnd type="none" w="med" len="med"/>
-                      <a:tailEnd type="none" w="med" len="med"/>
-                    </a:lnT>
-                    <a:lnB w="12700" cap="flat" cmpd="sng" algn="ctr">
-                      <a:solidFill>
-                        <a:schemeClr val="tx1"/>
-                      </a:solidFill>
-                      <a:prstDash val="solid"/>
-                      <a:round/>
-                      <a:headEnd type="none" w="med" len="med"/>
-                      <a:tailEnd type="none" w="med" len="med"/>
-                    </a:lnB>
-                    <a:noFill/>
-                  </a:tcPr>
-                </a:tc>
-                <a:tc>
-                  <a:txBody>
-                    <a:bodyPr/>
-                    <a:lstStyle/>
-                    <a:p>
-                      <a:endParaRPr lang="en-US" sz="1400" dirty="0">
-                        <a:solidFill>
-                          <a:sysClr val="windowText" lastClr="000000"/>
-                        </a:solidFill>
-                      </a:endParaRPr>
-                    </a:p>
-                  </a:txBody>
-                  <a:tcPr>
-                    <a:lnL w="12700" cap="flat" cmpd="sng" algn="ctr">
-                      <a:solidFill>
-                        <a:schemeClr val="tx1"/>
-                      </a:solidFill>
-                      <a:prstDash val="solid"/>
-                      <a:round/>
-                      <a:headEnd type="none" w="med" len="med"/>
-                      <a:tailEnd type="none" w="med" len="med"/>
-                    </a:lnL>
-                    <a:lnR w="12700" cap="flat" cmpd="sng" algn="ctr">
-                      <a:solidFill>
-                        <a:schemeClr val="tx1"/>
-                      </a:solidFill>
-                      <a:prstDash val="solid"/>
-                      <a:round/>
-                      <a:headEnd type="none" w="med" len="med"/>
-                      <a:tailEnd type="none" w="med" len="med"/>
-                    </a:lnR>
-                    <a:lnT w="12700" cap="flat" cmpd="sng" algn="ctr">
-                      <a:solidFill>
-                        <a:schemeClr val="tx1"/>
-                      </a:solidFill>
-                      <a:prstDash val="solid"/>
-                      <a:round/>
-                      <a:headEnd type="none" w="med" len="med"/>
-                      <a:tailEnd type="none" w="med" len="med"/>
-                    </a:lnT>
-                    <a:lnB w="12700" cap="flat" cmpd="sng" algn="ctr">
-                      <a:solidFill>
-                        <a:schemeClr val="tx1"/>
-                      </a:solidFill>
-                      <a:prstDash val="solid"/>
-                      <a:round/>
-                      <a:headEnd type="none" w="med" len="med"/>
-                      <a:tailEnd type="none" w="med" len="med"/>
-                    </a:lnB>
-                    <a:noFill/>
-                  </a:tcPr>
-                </a:tc>
-                <a:tc>
-                  <a:txBody>
-                    <a:bodyPr/>
-                    <a:lstStyle/>
-                    <a:p>
-                      <a:endParaRPr lang="en-US" sz="1400">
-                        <a:solidFill>
-                          <a:sysClr val="windowText" lastClr="000000"/>
-                        </a:solidFill>
-                      </a:endParaRPr>
-                    </a:p>
-                  </a:txBody>
-                  <a:tcPr>
-                    <a:lnL w="12700" cap="flat" cmpd="sng" algn="ctr">
-                      <a:solidFill>
-                        <a:schemeClr val="tx1"/>
-                      </a:solidFill>
-                      <a:prstDash val="solid"/>
-                      <a:round/>
-                      <a:headEnd type="none" w="med" len="med"/>
-                      <a:tailEnd type="none" w="med" len="med"/>
-                    </a:lnL>
-                    <a:lnR w="12700" cap="flat" cmpd="sng" algn="ctr">
-                      <a:solidFill>
-                        <a:schemeClr val="tx1"/>
-                      </a:solidFill>
-                      <a:prstDash val="solid"/>
-                      <a:round/>
-                      <a:headEnd type="none" w="med" len="med"/>
-                      <a:tailEnd type="none" w="med" len="med"/>
-                    </a:lnR>
-                    <a:lnT w="12700" cap="flat" cmpd="sng" algn="ctr">
-                      <a:solidFill>
-                        <a:schemeClr val="tx1"/>
-                      </a:solidFill>
-                      <a:prstDash val="solid"/>
-                      <a:round/>
-                      <a:headEnd type="none" w="med" len="med"/>
-                      <a:tailEnd type="none" w="med" len="med"/>
-                    </a:lnT>
-                    <a:lnB w="12700" cap="flat" cmpd="sng" algn="ctr">
-                      <a:solidFill>
-                        <a:schemeClr val="tx1"/>
-                      </a:solidFill>
-                      <a:prstDash val="solid"/>
-                      <a:round/>
-                      <a:headEnd type="none" w="med" len="med"/>
-                      <a:tailEnd type="none" w="med" len="med"/>
-                    </a:lnB>
-                    <a:noFill/>
-                  </a:tcPr>
-                </a:tc>
-                <a:tc>
-                  <a:txBody>
-                    <a:bodyPr/>
-                    <a:lstStyle/>
-                    <a:p>
-                      <a:endParaRPr lang="en-US" sz="1400" dirty="0">
-                        <a:solidFill>
-                          <a:sysClr val="windowText" lastClr="000000"/>
-                        </a:solidFill>
-                      </a:endParaRPr>
-                    </a:p>
-                  </a:txBody>
-                  <a:tcPr>
-                    <a:lnL w="12700" cap="flat" cmpd="sng" algn="ctr">
-                      <a:solidFill>
-                        <a:schemeClr val="tx1"/>
-                      </a:solidFill>
-                      <a:prstDash val="solid"/>
-                      <a:round/>
-                      <a:headEnd type="none" w="med" len="med"/>
-                      <a:tailEnd type="none" w="med" len="med"/>
-                    </a:lnL>
-                    <a:lnR w="12700" cap="flat" cmpd="sng" algn="ctr">
-                      <a:solidFill>
-                        <a:schemeClr val="tx1"/>
-                      </a:solidFill>
-                      <a:prstDash val="solid"/>
-                      <a:round/>
-                      <a:headEnd type="none" w="med" len="med"/>
-                      <a:tailEnd type="none" w="med" len="med"/>
-                    </a:lnR>
-                    <a:lnT w="12700" cap="flat" cmpd="sng" algn="ctr">
-                      <a:solidFill>
-                        <a:schemeClr val="tx1"/>
-                      </a:solidFill>
-                      <a:prstDash val="solid"/>
-                      <a:round/>
-                      <a:headEnd type="none" w="med" len="med"/>
-                      <a:tailEnd type="none" w="med" len="med"/>
-                    </a:lnT>
-                    <a:lnB w="12700" cap="flat" cmpd="sng" algn="ctr">
-                      <a:solidFill>
-                        <a:schemeClr val="tx1"/>
-                      </a:solidFill>
-                      <a:prstDash val="solid"/>
-                      <a:round/>
-                      <a:headEnd type="none" w="med" len="med"/>
-                      <a:tailEnd type="none" w="med" len="med"/>
-                    </a:lnB>
-                    <a:noFill/>
-                  </a:tcPr>
-                </a:tc>
-                <a:extLst>
-                  <a:ext uri="{0D108BD9-81ED-4DB2-BD59-A6C34878D82A}">
-                    <a16:rowId xmlns:a16="http://schemas.microsoft.com/office/drawing/2014/main" val="4002431490"/>
-                  </a:ext>
-                </a:extLst>
-              </a:tr>
-              <a:tr h="218921">
-                <a:tc>
-                  <a:txBody>
-                    <a:bodyPr/>
-                    <a:lstStyle/>
-                    <a:p>
-                      <a:pPr algn="ctr"/>
-                      <a:r>
-                        <a:rPr lang="en-US" sz="1400" dirty="0">
-                          <a:solidFill>
-                            <a:sysClr val="windowText" lastClr="000000"/>
-                          </a:solidFill>
-                        </a:rPr>
-                        <a:t>TX</a:t>
-                      </a:r>
-                    </a:p>
-                  </a:txBody>
-                  <a:tcPr>
-                    <a:lnL w="12700" cap="flat" cmpd="sng" algn="ctr">
-                      <a:solidFill>
-                        <a:schemeClr val="tx1"/>
-                      </a:solidFill>
-                      <a:prstDash val="solid"/>
-                      <a:round/>
-                      <a:headEnd type="none" w="med" len="med"/>
-                      <a:tailEnd type="none" w="med" len="med"/>
-                    </a:lnL>
-                    <a:lnR w="12700" cap="flat" cmpd="sng" algn="ctr">
-                      <a:solidFill>
-                        <a:schemeClr val="tx1"/>
-                      </a:solidFill>
-                      <a:prstDash val="solid"/>
-                      <a:round/>
-                      <a:headEnd type="none" w="med" len="med"/>
-                      <a:tailEnd type="none" w="med" len="med"/>
-                    </a:lnR>
-                    <a:lnT w="12700" cap="flat" cmpd="sng" algn="ctr">
-                      <a:solidFill>
-                        <a:schemeClr val="tx1"/>
-                      </a:solidFill>
-                      <a:prstDash val="solid"/>
-                      <a:round/>
-                      <a:headEnd type="none" w="med" len="med"/>
-                      <a:tailEnd type="none" w="med" len="med"/>
-                    </a:lnT>
-                    <a:lnB w="12700" cap="flat" cmpd="sng" algn="ctr">
-                      <a:solidFill>
-                        <a:schemeClr val="tx1"/>
-                      </a:solidFill>
-                      <a:prstDash val="solid"/>
-                      <a:round/>
-                      <a:headEnd type="none" w="med" len="med"/>
-                      <a:tailEnd type="none" w="med" len="med"/>
-                    </a:lnB>
-                    <a:noFill/>
-                  </a:tcPr>
-                </a:tc>
-                <a:tc>
-                  <a:txBody>
-                    <a:bodyPr/>
-                    <a:lstStyle/>
-                    <a:p>
-                      <a:pPr algn="ctr"/>
-                      <a:r>
-                        <a:rPr lang="en-US" sz="1400" dirty="0">
-                          <a:solidFill>
-                            <a:sysClr val="windowText" lastClr="000000"/>
-                          </a:solidFill>
-                        </a:rPr>
-                        <a:t>7</a:t>
-                      </a:r>
-                    </a:p>
-                  </a:txBody>
-                  <a:tcPr>
-                    <a:lnL w="12700" cap="flat" cmpd="sng" algn="ctr">
-                      <a:solidFill>
-                        <a:schemeClr val="tx1"/>
-                      </a:solidFill>
-                      <a:prstDash val="solid"/>
-                      <a:round/>
-                      <a:headEnd type="none" w="med" len="med"/>
-                      <a:tailEnd type="none" w="med" len="med"/>
-                    </a:lnL>
-                    <a:lnR w="12700" cap="flat" cmpd="sng" algn="ctr">
-                      <a:solidFill>
-                        <a:schemeClr val="tx1"/>
-                      </a:solidFill>
-                      <a:prstDash val="solid"/>
-                      <a:round/>
-                      <a:headEnd type="none" w="med" len="med"/>
-                      <a:tailEnd type="none" w="med" len="med"/>
-                    </a:lnR>
-                    <a:lnT w="12700" cap="flat" cmpd="sng" algn="ctr">
-                      <a:solidFill>
-                        <a:schemeClr val="tx1"/>
-                      </a:solidFill>
-                      <a:prstDash val="solid"/>
-                      <a:round/>
-                      <a:headEnd type="none" w="med" len="med"/>
-                      <a:tailEnd type="none" w="med" len="med"/>
-                    </a:lnT>
-                    <a:lnB w="12700" cap="flat" cmpd="sng" algn="ctr">
-                      <a:solidFill>
-                        <a:schemeClr val="tx1"/>
-                      </a:solidFill>
-                      <a:prstDash val="solid"/>
-                      <a:round/>
-                      <a:headEnd type="none" w="med" len="med"/>
-                      <a:tailEnd type="none" w="med" len="med"/>
-                    </a:lnB>
-                    <a:noFill/>
-                  </a:tcPr>
-                </a:tc>
-                <a:tc>
-                  <a:txBody>
-                    <a:bodyPr/>
-                    <a:lstStyle/>
-                    <a:p>
-                      <a:endParaRPr lang="en-US" sz="1400" dirty="0">
-                        <a:solidFill>
-                          <a:sysClr val="windowText" lastClr="000000"/>
-                        </a:solidFill>
-                      </a:endParaRPr>
-                    </a:p>
-                  </a:txBody>
-                  <a:tcPr>
-                    <a:lnL w="12700" cap="flat" cmpd="sng" algn="ctr">
-                      <a:solidFill>
-                        <a:schemeClr val="tx1"/>
-                      </a:solidFill>
-                      <a:prstDash val="solid"/>
-                      <a:round/>
-                      <a:headEnd type="none" w="med" len="med"/>
-                      <a:tailEnd type="none" w="med" len="med"/>
-                    </a:lnL>
-                    <a:lnR w="12700" cap="flat" cmpd="sng" algn="ctr">
-                      <a:solidFill>
-                        <a:schemeClr val="tx1"/>
-                      </a:solidFill>
-                      <a:prstDash val="solid"/>
-                      <a:round/>
-                      <a:headEnd type="none" w="med" len="med"/>
-                      <a:tailEnd type="none" w="med" len="med"/>
-                    </a:lnR>
-                    <a:lnT w="12700" cap="flat" cmpd="sng" algn="ctr">
-                      <a:solidFill>
-                        <a:schemeClr val="tx1"/>
-                      </a:solidFill>
-                      <a:prstDash val="solid"/>
-                      <a:round/>
-                      <a:headEnd type="none" w="med" len="med"/>
-                      <a:tailEnd type="none" w="med" len="med"/>
-                    </a:lnT>
-                    <a:lnB w="12700" cap="flat" cmpd="sng" algn="ctr">
-                      <a:solidFill>
-                        <a:schemeClr val="tx1"/>
-                      </a:solidFill>
-                      <a:prstDash val="solid"/>
-                      <a:round/>
-                      <a:headEnd type="none" w="med" len="med"/>
-                      <a:tailEnd type="none" w="med" len="med"/>
-                    </a:lnB>
-                    <a:noFill/>
-                  </a:tcPr>
-                </a:tc>
-                <a:tc>
-                  <a:txBody>
-                    <a:bodyPr/>
-                    <a:lstStyle/>
-                    <a:p>
-                      <a:endParaRPr lang="en-US" sz="1400" dirty="0">
-                        <a:solidFill>
-                          <a:sysClr val="windowText" lastClr="000000"/>
-                        </a:solidFill>
-                      </a:endParaRPr>
-                    </a:p>
-                  </a:txBody>
-                  <a:tcPr>
-                    <a:lnL w="12700" cap="flat" cmpd="sng" algn="ctr">
-                      <a:solidFill>
-                        <a:schemeClr val="tx1"/>
-                      </a:solidFill>
-                      <a:prstDash val="solid"/>
-                      <a:round/>
-                      <a:headEnd type="none" w="med" len="med"/>
-                      <a:tailEnd type="none" w="med" len="med"/>
-                    </a:lnL>
-                    <a:lnR w="12700" cap="flat" cmpd="sng" algn="ctr">
-                      <a:solidFill>
-                        <a:schemeClr val="tx1"/>
-                      </a:solidFill>
-                      <a:prstDash val="solid"/>
-                      <a:round/>
-                      <a:headEnd type="none" w="med" len="med"/>
-                      <a:tailEnd type="none" w="med" len="med"/>
-                    </a:lnR>
-                    <a:lnT w="12700" cap="flat" cmpd="sng" algn="ctr">
-                      <a:solidFill>
-                        <a:schemeClr val="tx1"/>
-                      </a:solidFill>
-                      <a:prstDash val="solid"/>
-                      <a:round/>
-                      <a:headEnd type="none" w="med" len="med"/>
-                      <a:tailEnd type="none" w="med" len="med"/>
-                    </a:lnT>
-                    <a:lnB w="12700" cap="flat" cmpd="sng" algn="ctr">
-                      <a:solidFill>
-                        <a:schemeClr val="tx1"/>
-                      </a:solidFill>
-                      <a:prstDash val="solid"/>
-                      <a:round/>
-                      <a:headEnd type="none" w="med" len="med"/>
-                      <a:tailEnd type="none" w="med" len="med"/>
-                    </a:lnB>
-                    <a:noFill/>
-                  </a:tcPr>
-                </a:tc>
-                <a:tc>
-                  <a:txBody>
-                    <a:bodyPr/>
-                    <a:lstStyle/>
-                    <a:p>
-                      <a:endParaRPr lang="en-US" sz="1400" dirty="0">
-                        <a:solidFill>
-                          <a:sysClr val="windowText" lastClr="000000"/>
-                        </a:solidFill>
-                      </a:endParaRPr>
-                    </a:p>
-                  </a:txBody>
-                  <a:tcPr>
-                    <a:lnL w="12700" cap="flat" cmpd="sng" algn="ctr">
-                      <a:solidFill>
-                        <a:schemeClr val="tx1"/>
-                      </a:solidFill>
-                      <a:prstDash val="solid"/>
-                      <a:round/>
-                      <a:headEnd type="none" w="med" len="med"/>
-                      <a:tailEnd type="none" w="med" len="med"/>
-                    </a:lnL>
-                    <a:lnR w="12700" cap="flat" cmpd="sng" algn="ctr">
-                      <a:solidFill>
-                        <a:schemeClr val="tx1"/>
-                      </a:solidFill>
-                      <a:prstDash val="solid"/>
-                      <a:round/>
-                      <a:headEnd type="none" w="med" len="med"/>
-                      <a:tailEnd type="none" w="med" len="med"/>
-                    </a:lnR>
-                    <a:lnT w="12700" cap="flat" cmpd="sng" algn="ctr">
-                      <a:solidFill>
-                        <a:schemeClr val="tx1"/>
-                      </a:solidFill>
-                      <a:prstDash val="solid"/>
-                      <a:round/>
-                      <a:headEnd type="none" w="med" len="med"/>
-                      <a:tailEnd type="none" w="med" len="med"/>
-                    </a:lnT>
-                    <a:lnB w="12700" cap="flat" cmpd="sng" algn="ctr">
-                      <a:solidFill>
-                        <a:schemeClr val="tx1"/>
-                      </a:solidFill>
-                      <a:prstDash val="solid"/>
-                      <a:round/>
-                      <a:headEnd type="none" w="med" len="med"/>
-                      <a:tailEnd type="none" w="med" len="med"/>
-                    </a:lnB>
-                    <a:noFill/>
-                  </a:tcPr>
-                </a:tc>
-                <a:tc>
-                  <a:txBody>
-                    <a:bodyPr/>
-                    <a:lstStyle/>
-                    <a:p>
-                      <a:endParaRPr lang="en-US" sz="1400" dirty="0">
-                        <a:solidFill>
-                          <a:sysClr val="windowText" lastClr="000000"/>
-                        </a:solidFill>
-                      </a:endParaRPr>
-                    </a:p>
-                  </a:txBody>
-                  <a:tcPr>
-                    <a:lnL w="12700" cap="flat" cmpd="sng" algn="ctr">
-                      <a:solidFill>
-                        <a:schemeClr val="tx1"/>
-                      </a:solidFill>
-                      <a:prstDash val="solid"/>
-                      <a:round/>
-                      <a:headEnd type="none" w="med" len="med"/>
-                      <a:tailEnd type="none" w="med" len="med"/>
-                    </a:lnL>
-                    <a:lnR w="12700" cap="flat" cmpd="sng" algn="ctr">
-                      <a:solidFill>
-                        <a:schemeClr val="tx1"/>
-                      </a:solidFill>
-                      <a:prstDash val="solid"/>
-                      <a:round/>
-                      <a:headEnd type="none" w="med" len="med"/>
-                      <a:tailEnd type="none" w="med" len="med"/>
-                    </a:lnR>
-                    <a:lnT w="12700" cap="flat" cmpd="sng" algn="ctr">
-                      <a:solidFill>
-                        <a:schemeClr val="tx1"/>
-                      </a:solidFill>
-                      <a:prstDash val="solid"/>
-                      <a:round/>
-                      <a:headEnd type="none" w="med" len="med"/>
-                      <a:tailEnd type="none" w="med" len="med"/>
-                    </a:lnT>
-                    <a:lnB w="12700" cap="flat" cmpd="sng" algn="ctr">
-                      <a:solidFill>
-                        <a:schemeClr val="tx1"/>
-                      </a:solidFill>
-                      <a:prstDash val="solid"/>
-                      <a:round/>
-                      <a:headEnd type="none" w="med" len="med"/>
-                      <a:tailEnd type="none" w="med" len="med"/>
-                    </a:lnB>
-                    <a:noFill/>
-                  </a:tcPr>
-                </a:tc>
-                <a:tc>
-                  <a:txBody>
-                    <a:bodyPr/>
-                    <a:lstStyle/>
-                    <a:p>
-                      <a:endParaRPr lang="en-US" sz="1400" dirty="0">
-                        <a:solidFill>
-                          <a:sysClr val="windowText" lastClr="000000"/>
-                        </a:solidFill>
-                      </a:endParaRPr>
-                    </a:p>
-                  </a:txBody>
-                  <a:tcPr>
-                    <a:lnL w="12700" cap="flat" cmpd="sng" algn="ctr">
-                      <a:solidFill>
-                        <a:schemeClr val="tx1"/>
-                      </a:solidFill>
-                      <a:prstDash val="solid"/>
-                      <a:round/>
-                      <a:headEnd type="none" w="med" len="med"/>
-                      <a:tailEnd type="none" w="med" len="med"/>
-                    </a:lnL>
-                    <a:lnR w="12700" cap="flat" cmpd="sng" algn="ctr">
-                      <a:solidFill>
-                        <a:schemeClr val="tx1"/>
-                      </a:solidFill>
-                      <a:prstDash val="solid"/>
-                      <a:round/>
-                      <a:headEnd type="none" w="med" len="med"/>
-                      <a:tailEnd type="none" w="med" len="med"/>
-                    </a:lnR>
-                    <a:lnT w="12700" cap="flat" cmpd="sng" algn="ctr">
-                      <a:solidFill>
-                        <a:schemeClr val="tx1"/>
-                      </a:solidFill>
-                      <a:prstDash val="solid"/>
-                      <a:round/>
-                      <a:headEnd type="none" w="med" len="med"/>
-                      <a:tailEnd type="none" w="med" len="med"/>
-                    </a:lnT>
-                    <a:lnB w="12700" cap="flat" cmpd="sng" algn="ctr">
-                      <a:solidFill>
-                        <a:schemeClr val="tx1"/>
-                      </a:solidFill>
-                      <a:prstDash val="solid"/>
-                      <a:round/>
-                      <a:headEnd type="none" w="med" len="med"/>
-                      <a:tailEnd type="none" w="med" len="med"/>
-                    </a:lnB>
-                    <a:noFill/>
-                  </a:tcPr>
-                </a:tc>
-                <a:extLst>
-                  <a:ext uri="{0D108BD9-81ED-4DB2-BD59-A6C34878D82A}">
-                    <a16:rowId xmlns:a16="http://schemas.microsoft.com/office/drawing/2014/main" val="389150309"/>
-                  </a:ext>
-                </a:extLst>
-              </a:tr>
-              <a:tr h="218921">
-                <a:tc>
-                  <a:txBody>
-                    <a:bodyPr/>
-                    <a:lstStyle/>
-                    <a:p>
-                      <a:pPr algn="ctr"/>
-                      <a:r>
-                        <a:rPr lang="en-US" sz="1400" dirty="0">
-                          <a:solidFill>
-                            <a:sysClr val="windowText" lastClr="000000"/>
-                          </a:solidFill>
-                        </a:rPr>
-                        <a:t>MN</a:t>
-                      </a:r>
-                    </a:p>
-                  </a:txBody>
-                  <a:tcPr>
-                    <a:lnL w="12700" cap="flat" cmpd="sng" algn="ctr">
-                      <a:solidFill>
-                        <a:schemeClr val="tx1"/>
-                      </a:solidFill>
-                      <a:prstDash val="solid"/>
-                      <a:round/>
-                      <a:headEnd type="none" w="med" len="med"/>
-                      <a:tailEnd type="none" w="med" len="med"/>
-                    </a:lnL>
-                    <a:lnR w="12700" cap="flat" cmpd="sng" algn="ctr">
-                      <a:solidFill>
-                        <a:schemeClr val="tx1"/>
-                      </a:solidFill>
-                      <a:prstDash val="solid"/>
-                      <a:round/>
-                      <a:headEnd type="none" w="med" len="med"/>
-                      <a:tailEnd type="none" w="med" len="med"/>
-                    </a:lnR>
-                    <a:lnT w="12700" cap="flat" cmpd="sng" algn="ctr">
-                      <a:solidFill>
-                        <a:schemeClr val="tx1"/>
-                      </a:solidFill>
-                      <a:prstDash val="solid"/>
-                      <a:round/>
-                      <a:headEnd type="none" w="med" len="med"/>
-                      <a:tailEnd type="none" w="med" len="med"/>
-                    </a:lnT>
-                    <a:lnB w="12700" cap="flat" cmpd="sng" algn="ctr">
-                      <a:solidFill>
-                        <a:schemeClr val="tx1"/>
-                      </a:solidFill>
-                      <a:prstDash val="solid"/>
-                      <a:round/>
-                      <a:headEnd type="none" w="med" len="med"/>
-                      <a:tailEnd type="none" w="med" len="med"/>
-                    </a:lnB>
-                    <a:noFill/>
-                  </a:tcPr>
-                </a:tc>
-                <a:tc>
-                  <a:txBody>
-                    <a:bodyPr/>
-                    <a:lstStyle/>
-                    <a:p>
-                      <a:pPr algn="ctr"/>
-                      <a:r>
-                        <a:rPr lang="en-US" sz="1400" dirty="0">
-                          <a:solidFill>
-                            <a:sysClr val="windowText" lastClr="000000"/>
-                          </a:solidFill>
-                        </a:rPr>
-                        <a:t>2</a:t>
-                      </a:r>
-                    </a:p>
-                  </a:txBody>
-                  <a:tcPr>
-                    <a:lnL w="12700" cap="flat" cmpd="sng" algn="ctr">
-                      <a:solidFill>
-                        <a:schemeClr val="tx1"/>
-                      </a:solidFill>
-                      <a:prstDash val="solid"/>
-                      <a:round/>
-                      <a:headEnd type="none" w="med" len="med"/>
-                      <a:tailEnd type="none" w="med" len="med"/>
-                    </a:lnL>
-                    <a:lnR w="12700" cap="flat" cmpd="sng" algn="ctr">
-                      <a:solidFill>
-                        <a:schemeClr val="tx1"/>
-                      </a:solidFill>
-                      <a:prstDash val="solid"/>
-                      <a:round/>
-                      <a:headEnd type="none" w="med" len="med"/>
-                      <a:tailEnd type="none" w="med" len="med"/>
-                    </a:lnR>
-                    <a:lnT w="12700" cap="flat" cmpd="sng" algn="ctr">
-                      <a:solidFill>
-                        <a:schemeClr val="tx1"/>
-                      </a:solidFill>
-                      <a:prstDash val="solid"/>
-                      <a:round/>
-                      <a:headEnd type="none" w="med" len="med"/>
-                      <a:tailEnd type="none" w="med" len="med"/>
-                    </a:lnT>
-                    <a:lnB w="12700" cap="flat" cmpd="sng" algn="ctr">
-                      <a:solidFill>
-                        <a:schemeClr val="tx1"/>
-                      </a:solidFill>
-                      <a:prstDash val="solid"/>
-                      <a:round/>
-                      <a:headEnd type="none" w="med" len="med"/>
-                      <a:tailEnd type="none" w="med" len="med"/>
-                    </a:lnB>
-                    <a:noFill/>
-                  </a:tcPr>
-                </a:tc>
-                <a:tc>
-                  <a:txBody>
-                    <a:bodyPr/>
-                    <a:lstStyle/>
-                    <a:p>
-                      <a:endParaRPr lang="en-US" sz="1400" dirty="0">
-                        <a:solidFill>
-                          <a:sysClr val="windowText" lastClr="000000"/>
-                        </a:solidFill>
-                      </a:endParaRPr>
-                    </a:p>
-                  </a:txBody>
-                  <a:tcPr>
-                    <a:lnL w="12700" cap="flat" cmpd="sng" algn="ctr">
-                      <a:solidFill>
-                        <a:schemeClr val="tx1"/>
-                      </a:solidFill>
-                      <a:prstDash val="solid"/>
-                      <a:round/>
-                      <a:headEnd type="none" w="med" len="med"/>
-                      <a:tailEnd type="none" w="med" len="med"/>
-                    </a:lnL>
-                    <a:lnR w="12700" cap="flat" cmpd="sng" algn="ctr">
-                      <a:solidFill>
-                        <a:schemeClr val="tx1"/>
-                      </a:solidFill>
-                      <a:prstDash val="solid"/>
-                      <a:round/>
-                      <a:headEnd type="none" w="med" len="med"/>
-                      <a:tailEnd type="none" w="med" len="med"/>
-                    </a:lnR>
-                    <a:lnT w="12700" cap="flat" cmpd="sng" algn="ctr">
-                      <a:solidFill>
-                        <a:schemeClr val="tx1"/>
-                      </a:solidFill>
-                      <a:prstDash val="solid"/>
-                      <a:round/>
-                      <a:headEnd type="none" w="med" len="med"/>
-                      <a:tailEnd type="none" w="med" len="med"/>
-                    </a:lnT>
-                    <a:lnB w="12700" cap="flat" cmpd="sng" algn="ctr">
-                      <a:solidFill>
-                        <a:schemeClr val="tx1"/>
-                      </a:solidFill>
-                      <a:prstDash val="solid"/>
-                      <a:round/>
-                      <a:headEnd type="none" w="med" len="med"/>
-                      <a:tailEnd type="none" w="med" len="med"/>
-                    </a:lnB>
-                    <a:noFill/>
-                  </a:tcPr>
-                </a:tc>
-                <a:tc>
-                  <a:txBody>
-                    <a:bodyPr/>
-                    <a:lstStyle/>
-                    <a:p>
-                      <a:endParaRPr lang="en-US" sz="1400" dirty="0">
-                        <a:solidFill>
-                          <a:sysClr val="windowText" lastClr="000000"/>
-                        </a:solidFill>
-                      </a:endParaRPr>
-                    </a:p>
-                  </a:txBody>
-                  <a:tcPr>
-                    <a:lnL w="12700" cap="flat" cmpd="sng" algn="ctr">
-                      <a:solidFill>
-                        <a:schemeClr val="tx1"/>
-                      </a:solidFill>
-                      <a:prstDash val="solid"/>
-                      <a:round/>
-                      <a:headEnd type="none" w="med" len="med"/>
-                      <a:tailEnd type="none" w="med" len="med"/>
-                    </a:lnL>
-                    <a:lnR w="12700" cap="flat" cmpd="sng" algn="ctr">
-                      <a:solidFill>
-                        <a:schemeClr val="tx1"/>
-                      </a:solidFill>
-                      <a:prstDash val="solid"/>
-                      <a:round/>
-                      <a:headEnd type="none" w="med" len="med"/>
-                      <a:tailEnd type="none" w="med" len="med"/>
-                    </a:lnR>
-                    <a:lnT w="12700" cap="flat" cmpd="sng" algn="ctr">
-                      <a:solidFill>
-                        <a:schemeClr val="tx1"/>
-                      </a:solidFill>
-                      <a:prstDash val="solid"/>
-                      <a:round/>
-                      <a:headEnd type="none" w="med" len="med"/>
-                      <a:tailEnd type="none" w="med" len="med"/>
-                    </a:lnT>
-                    <a:lnB w="12700" cap="flat" cmpd="sng" algn="ctr">
-                      <a:solidFill>
-                        <a:schemeClr val="tx1"/>
-                      </a:solidFill>
-                      <a:prstDash val="solid"/>
-                      <a:round/>
-                      <a:headEnd type="none" w="med" len="med"/>
-                      <a:tailEnd type="none" w="med" len="med"/>
-                    </a:lnB>
-                    <a:noFill/>
-                  </a:tcPr>
-                </a:tc>
-                <a:tc>
-                  <a:txBody>
-                    <a:bodyPr/>
-                    <a:lstStyle/>
-                    <a:p>
-                      <a:endParaRPr lang="en-US" sz="1400" dirty="0">
-                        <a:solidFill>
-                          <a:sysClr val="windowText" lastClr="000000"/>
-                        </a:solidFill>
-                      </a:endParaRPr>
-                    </a:p>
-                  </a:txBody>
-                  <a:tcPr>
-                    <a:lnL w="12700" cap="flat" cmpd="sng" algn="ctr">
-                      <a:solidFill>
-                        <a:schemeClr val="tx1"/>
-                      </a:solidFill>
-                      <a:prstDash val="solid"/>
-                      <a:round/>
-                      <a:headEnd type="none" w="med" len="med"/>
-                      <a:tailEnd type="none" w="med" len="med"/>
-                    </a:lnL>
-                    <a:lnR w="12700" cap="flat" cmpd="sng" algn="ctr">
-                      <a:solidFill>
-                        <a:schemeClr val="tx1"/>
-                      </a:solidFill>
-                      <a:prstDash val="solid"/>
-                      <a:round/>
-                      <a:headEnd type="none" w="med" len="med"/>
-                      <a:tailEnd type="none" w="med" len="med"/>
-                    </a:lnR>
-                    <a:lnT w="12700" cap="flat" cmpd="sng" algn="ctr">
-                      <a:solidFill>
-                        <a:schemeClr val="tx1"/>
-                      </a:solidFill>
-                      <a:prstDash val="solid"/>
-                      <a:round/>
-                      <a:headEnd type="none" w="med" len="med"/>
-                      <a:tailEnd type="none" w="med" len="med"/>
-                    </a:lnT>
-                    <a:lnB w="12700" cap="flat" cmpd="sng" algn="ctr">
-                      <a:solidFill>
-                        <a:schemeClr val="tx1"/>
-                      </a:solidFill>
-                      <a:prstDash val="solid"/>
-                      <a:round/>
-                      <a:headEnd type="none" w="med" len="med"/>
-                      <a:tailEnd type="none" w="med" len="med"/>
-                    </a:lnB>
-                    <a:noFill/>
-                  </a:tcPr>
-                </a:tc>
-                <a:tc>
-                  <a:txBody>
-                    <a:bodyPr/>
-                    <a:lstStyle/>
-                    <a:p>
-                      <a:endParaRPr lang="en-US" sz="1400" dirty="0">
-                        <a:solidFill>
-                          <a:sysClr val="windowText" lastClr="000000"/>
-                        </a:solidFill>
-                      </a:endParaRPr>
-                    </a:p>
-                  </a:txBody>
-                  <a:tcPr>
-                    <a:lnL w="12700" cap="flat" cmpd="sng" algn="ctr">
-                      <a:solidFill>
-                        <a:schemeClr val="tx1"/>
-                      </a:solidFill>
-                      <a:prstDash val="solid"/>
-                      <a:round/>
-                      <a:headEnd type="none" w="med" len="med"/>
-                      <a:tailEnd type="none" w="med" len="med"/>
-                    </a:lnL>
-                    <a:lnR w="12700" cap="flat" cmpd="sng" algn="ctr">
-                      <a:solidFill>
-                        <a:schemeClr val="tx1"/>
-                      </a:solidFill>
-                      <a:prstDash val="solid"/>
-                      <a:round/>
-                      <a:headEnd type="none" w="med" len="med"/>
-                      <a:tailEnd type="none" w="med" len="med"/>
-                    </a:lnR>
-                    <a:lnT w="12700" cap="flat" cmpd="sng" algn="ctr">
-                      <a:solidFill>
-                        <a:schemeClr val="tx1"/>
-                      </a:solidFill>
-                      <a:prstDash val="solid"/>
-                      <a:round/>
-                      <a:headEnd type="none" w="med" len="med"/>
-                      <a:tailEnd type="none" w="med" len="med"/>
-                    </a:lnT>
-                    <a:lnB w="12700" cap="flat" cmpd="sng" algn="ctr">
-                      <a:solidFill>
-                        <a:schemeClr val="tx1"/>
-                      </a:solidFill>
-                      <a:prstDash val="solid"/>
-                      <a:round/>
-                      <a:headEnd type="none" w="med" len="med"/>
-                      <a:tailEnd type="none" w="med" len="med"/>
-                    </a:lnB>
-                    <a:noFill/>
-                  </a:tcPr>
-                </a:tc>
-                <a:tc>
-                  <a:txBody>
-                    <a:bodyPr/>
-                    <a:lstStyle/>
-                    <a:p>
-                      <a:endParaRPr lang="en-US" sz="1400" dirty="0">
-                        <a:solidFill>
-                          <a:sysClr val="windowText" lastClr="000000"/>
-                        </a:solidFill>
-                      </a:endParaRPr>
-                    </a:p>
-                  </a:txBody>
-                  <a:tcPr>
-                    <a:lnL w="12700" cap="flat" cmpd="sng" algn="ctr">
-                      <a:solidFill>
-                        <a:schemeClr val="tx1"/>
-                      </a:solidFill>
-                      <a:prstDash val="solid"/>
-                      <a:round/>
-                      <a:headEnd type="none" w="med" len="med"/>
-                      <a:tailEnd type="none" w="med" len="med"/>
-                    </a:lnL>
-                    <a:lnR w="12700" cap="flat" cmpd="sng" algn="ctr">
-                      <a:solidFill>
-                        <a:schemeClr val="tx1"/>
-                      </a:solidFill>
-                      <a:prstDash val="solid"/>
-                      <a:round/>
-                      <a:headEnd type="none" w="med" len="med"/>
-                      <a:tailEnd type="none" w="med" len="med"/>
-                    </a:lnR>
-                    <a:lnT w="12700" cap="flat" cmpd="sng" algn="ctr">
-                      <a:solidFill>
-                        <a:schemeClr val="tx1"/>
-                      </a:solidFill>
-                      <a:prstDash val="solid"/>
-                      <a:round/>
-                      <a:headEnd type="none" w="med" len="med"/>
-                      <a:tailEnd type="none" w="med" len="med"/>
-                    </a:lnT>
-                    <a:lnB w="12700" cap="flat" cmpd="sng" algn="ctr">
-                      <a:solidFill>
-                        <a:schemeClr val="tx1"/>
-                      </a:solidFill>
-                      <a:prstDash val="solid"/>
-                      <a:round/>
-                      <a:headEnd type="none" w="med" len="med"/>
-                      <a:tailEnd type="none" w="med" len="med"/>
-                    </a:lnB>
-                    <a:noFill/>
-                  </a:tcPr>
-                </a:tc>
-                <a:extLst>
-                  <a:ext uri="{0D108BD9-81ED-4DB2-BD59-A6C34878D82A}">
-                    <a16:rowId xmlns:a16="http://schemas.microsoft.com/office/drawing/2014/main" val="275870426"/>
-                  </a:ext>
-                </a:extLst>
-              </a:tr>
-            </a:tbl>
-          </a:graphicData>
-        </a:graphic>
-      </p:graphicFrame>
-      <p:graphicFrame>
-        <p:nvGraphicFramePr>
-          <p:cNvPr id="6" name="Table 5">
-            <a:extLst>
-              <a:ext uri="{FF2B5EF4-FFF2-40B4-BE49-F238E27FC236}">
-                <a16:creationId xmlns:a16="http://schemas.microsoft.com/office/drawing/2014/main" id="{4FE8F868-2FBF-492C-90B6-46AA536B1878}"/>
-              </a:ext>
-            </a:extLst>
-          </p:cNvPr>
-          <p:cNvGraphicFramePr>
-            <a:graphicFrameLocks noGrp="1"/>
-          </p:cNvGraphicFramePr>
-          <p:nvPr>
-            <p:extLst>
-              <p:ext uri="{D42A27DB-BD31-4B8C-83A1-F6EECF244321}">
-                <p14:modId xmlns:p14="http://schemas.microsoft.com/office/powerpoint/2010/main" val="1329519873"/>
-              </p:ext>
-            </p:extLst>
-          </p:nvPr>
-        </p:nvGraphicFramePr>
-        <p:xfrm>
-          <a:off x="3103394" y="4989165"/>
-          <a:ext cx="7846079" cy="1524000"/>
-        </p:xfrm>
-        <a:graphic>
-          <a:graphicData uri="http://schemas.openxmlformats.org/drawingml/2006/table">
-            <a:tbl>
-              <a:tblPr firstRow="1" bandRow="1">
-                <a:tableStyleId>{5C22544A-7EE6-4342-B048-85BDC9FD1C3A}</a:tableStyleId>
-              </a:tblPr>
-              <a:tblGrid>
                 <a:gridCol w="980760">
                   <a:extLst>
                     <a:ext uri="{9D8B030D-6E8A-4147-A177-3AD203B41FA5}">
-                      <a16:colId xmlns:a16="http://schemas.microsoft.com/office/drawing/2014/main" val="2474378856"/>
-                    </a:ext>
-                  </a:extLst>
-                </a:gridCol>
-                <a:gridCol w="1172797">
-                  <a:extLst>
-                    <a:ext uri="{9D8B030D-6E8A-4147-A177-3AD203B41FA5}">
-                      <a16:colId xmlns:a16="http://schemas.microsoft.com/office/drawing/2014/main" val="3946551199"/>
-                    </a:ext>
-                  </a:extLst>
-                </a:gridCol>
-                <a:gridCol w="788722">
-                  <a:extLst>
-                    <a:ext uri="{9D8B030D-6E8A-4147-A177-3AD203B41FA5}">
-                      <a16:colId xmlns:a16="http://schemas.microsoft.com/office/drawing/2014/main" val="462390170"/>
+                      <a16:colId xmlns:a16="http://schemas.microsoft.com/office/drawing/2014/main" val="3039029480"/>
                     </a:ext>
                   </a:extLst>
                 </a:gridCol>
@@ -5464,7 +3445,7 @@
                   </a:extLst>
                 </a:gridCol>
               </a:tblGrid>
-              <a:tr h="0">
+              <a:tr h="299110">
                 <a:tc>
                   <a:txBody>
                     <a:bodyPr/>
@@ -5472,13 +3453,18 @@
                     <a:p>
                       <a:pPr algn="ctr"/>
                       <a:r>
-                        <a:rPr lang="en-US" sz="1400" b="0" dirty="0">
+                        <a:rPr lang="en-US" sz="1400" b="0" dirty="0" err="1">
                           <a:solidFill>
-                            <a:schemeClr val="tx1"/>
+                            <a:sysClr val="windowText" lastClr="000000"/>
                           </a:solidFill>
                         </a:rPr>
-                        <a:t>Latitude</a:t>
+                        <a:t>subRegion</a:t>
                       </a:r>
+                      <a:endParaRPr lang="en-US" sz="1400" b="0" dirty="0">
+                        <a:solidFill>
+                          <a:sysClr val="windowText" lastClr="000000"/>
+                        </a:solidFill>
+                      </a:endParaRPr>
                     </a:p>
                   </a:txBody>
                   <a:tcPr>
@@ -5518,14 +3504,6 @@
                       <a:headEnd type="none" w="med" len="med"/>
                       <a:tailEnd type="none" w="med" len="med"/>
                     </a:lnB>
-                    <a:lnTlToBr w="12700" cmpd="sng">
-                      <a:noFill/>
-                      <a:prstDash val="solid"/>
-                    </a:lnTlToBr>
-                    <a:lnBlToTr w="12700" cmpd="sng">
-                      <a:noFill/>
-                      <a:prstDash val="solid"/>
-                    </a:lnBlToTr>
                     <a:solidFill>
                       <a:schemeClr val="bg2"/>
                     </a:solidFill>
@@ -5540,10 +3518,10 @@
                       <a:r>
                         <a:rPr lang="en-US" sz="1400" b="0" dirty="0">
                           <a:solidFill>
-                            <a:schemeClr val="tx1"/>
+                            <a:sysClr val="windowText" lastClr="000000"/>
                           </a:solidFill>
                         </a:rPr>
-                        <a:t>Longitude</a:t>
+                        <a:t>value</a:t>
                       </a:r>
                     </a:p>
                   </a:txBody>
@@ -5584,14 +3562,6 @@
                       <a:headEnd type="none" w="med" len="med"/>
                       <a:tailEnd type="none" w="med" len="med"/>
                     </a:lnB>
-                    <a:lnTlToBr w="12700" cmpd="sng">
-                      <a:noFill/>
-                      <a:prstDash val="solid"/>
-                    </a:lnTlToBr>
-                    <a:lnBlToTr w="12700" cmpd="sng">
-                      <a:noFill/>
-                      <a:prstDash val="solid"/>
-                    </a:lnBlToTr>
                     <a:solidFill>
                       <a:schemeClr val="bg2"/>
                     </a:solidFill>
@@ -5604,12 +3574,12 @@
                     <a:p>
                       <a:pPr algn="ctr"/>
                       <a:r>
-                        <a:rPr lang="en-US" sz="1400" b="0" dirty="0">
+                        <a:rPr lang="en-US" sz="1400" b="1" dirty="0">
                           <a:solidFill>
-                            <a:schemeClr val="tx1"/>
+                            <a:srgbClr val="00B050"/>
                           </a:solidFill>
                         </a:rPr>
-                        <a:t>value</a:t>
+                        <a:t>region</a:t>
                       </a:r>
                     </a:p>
                   </a:txBody>
@@ -5650,14 +3620,6 @@
                       <a:headEnd type="none" w="med" len="med"/>
                       <a:tailEnd type="none" w="med" len="med"/>
                     </a:lnB>
-                    <a:lnTlToBr w="12700" cmpd="sng">
-                      <a:noFill/>
-                      <a:prstDash val="solid"/>
-                    </a:lnTlToBr>
-                    <a:lnBlToTr w="12700" cmpd="sng">
-                      <a:noFill/>
-                      <a:prstDash val="solid"/>
-                    </a:lnBlToTr>
                     <a:solidFill>
                       <a:schemeClr val="bg2"/>
                     </a:solidFill>
@@ -5716,14 +3678,6 @@
                       <a:headEnd type="none" w="med" len="med"/>
                       <a:tailEnd type="none" w="med" len="med"/>
                     </a:lnB>
-                    <a:lnTlToBr w="12700" cmpd="sng">
-                      <a:noFill/>
-                      <a:prstDash val="solid"/>
-                    </a:lnTlToBr>
-                    <a:lnBlToTr w="12700" cmpd="sng">
-                      <a:noFill/>
-                      <a:prstDash val="solid"/>
-                    </a:lnBlToTr>
                     <a:solidFill>
                       <a:schemeClr val="bg2"/>
                     </a:solidFill>
@@ -5782,14 +3736,6 @@
                       <a:headEnd type="none" w="med" len="med"/>
                       <a:tailEnd type="none" w="med" len="med"/>
                     </a:lnB>
-                    <a:lnTlToBr w="12700" cmpd="sng">
-                      <a:noFill/>
-                      <a:prstDash val="solid"/>
-                    </a:lnTlToBr>
-                    <a:lnBlToTr w="12700" cmpd="sng">
-                      <a:noFill/>
-                      <a:prstDash val="solid"/>
-                    </a:lnBlToTr>
                     <a:solidFill>
                       <a:schemeClr val="bg2"/>
                     </a:solidFill>
@@ -5848,14 +3794,6 @@
                       <a:headEnd type="none" w="med" len="med"/>
                       <a:tailEnd type="none" w="med" len="med"/>
                     </a:lnB>
-                    <a:lnTlToBr w="12700" cmpd="sng">
-                      <a:noFill/>
-                      <a:prstDash val="solid"/>
-                    </a:lnTlToBr>
-                    <a:lnBlToTr w="12700" cmpd="sng">
-                      <a:noFill/>
-                      <a:prstDash val="solid"/>
-                    </a:lnBlToTr>
                     <a:solidFill>
                       <a:schemeClr val="bg2"/>
                     </a:solidFill>
@@ -5914,14 +3852,6 @@
                       <a:headEnd type="none" w="med" len="med"/>
                       <a:tailEnd type="none" w="med" len="med"/>
                     </a:lnB>
-                    <a:lnTlToBr w="12700" cmpd="sng">
-                      <a:noFill/>
-                      <a:prstDash val="solid"/>
-                    </a:lnTlToBr>
-                    <a:lnBlToTr w="12700" cmpd="sng">
-                      <a:noFill/>
-                      <a:prstDash val="solid"/>
-                    </a:lnBlToTr>
                     <a:solidFill>
                       <a:schemeClr val="bg2"/>
                     </a:solidFill>
@@ -5980,14 +3910,6 @@
                       <a:headEnd type="none" w="med" len="med"/>
                       <a:tailEnd type="none" w="med" len="med"/>
                     </a:lnB>
-                    <a:lnTlToBr w="12700" cmpd="sng">
-                      <a:noFill/>
-                      <a:prstDash val="solid"/>
-                    </a:lnTlToBr>
-                    <a:lnBlToTr w="12700" cmpd="sng">
-                      <a:noFill/>
-                      <a:prstDash val="solid"/>
-                    </a:lnBlToTr>
                     <a:solidFill>
                       <a:schemeClr val="bg2"/>
                     </a:solidFill>
@@ -5999,7 +3921,7 @@
                   </a:ext>
                 </a:extLst>
               </a:tr>
-              <a:tr h="193854">
+              <a:tr h="218921">
                 <a:tc>
                   <a:txBody>
                     <a:bodyPr/>
@@ -6009,10 +3931,10 @@
                       <a:r>
                         <a:rPr lang="en-US" sz="1400" dirty="0">
                           <a:solidFill>
-                            <a:schemeClr val="tx1"/>
+                            <a:sysClr val="windowText" lastClr="000000"/>
                           </a:solidFill>
                         </a:rPr>
-                        <a:t>34.04</a:t>
+                        <a:t>CA</a:t>
                       </a:r>
                     </a:p>
                   </a:txBody>
@@ -6053,14 +3975,6 @@
                       <a:headEnd type="none" w="med" len="med"/>
                       <a:tailEnd type="none" w="med" len="med"/>
                     </a:lnB>
-                    <a:lnTlToBr w="12700" cmpd="sng">
-                      <a:noFill/>
-                      <a:prstDash val="solid"/>
-                    </a:lnTlToBr>
-                    <a:lnBlToTr w="12700" cmpd="sng">
-                      <a:noFill/>
-                      <a:prstDash val="solid"/>
-                    </a:lnBlToTr>
                     <a:noFill/>
                   </a:tcPr>
                 </a:tc>
@@ -6073,10 +3987,10 @@
                       <a:r>
                         <a:rPr lang="en-US" sz="1400" dirty="0">
                           <a:solidFill>
-                            <a:schemeClr val="tx1"/>
+                            <a:sysClr val="windowText" lastClr="000000"/>
                           </a:solidFill>
                         </a:rPr>
-                        <a:t>-118</a:t>
+                        <a:t>5</a:t>
                       </a:r>
                     </a:p>
                   </a:txBody>
@@ -6117,14 +4031,381 @@
                       <a:headEnd type="none" w="med" len="med"/>
                       <a:tailEnd type="none" w="med" len="med"/>
                     </a:lnB>
-                    <a:lnTlToBr w="12700" cmpd="sng">
-                      <a:noFill/>
-                      <a:prstDash val="solid"/>
-                    </a:lnTlToBr>
-                    <a:lnBlToTr w="12700" cmpd="sng">
-                      <a:noFill/>
-                      <a:prstDash val="solid"/>
-                    </a:lnBlToTr>
+                    <a:noFill/>
+                  </a:tcPr>
+                </a:tc>
+                <a:tc>
+                  <a:txBody>
+                    <a:bodyPr/>
+                    <a:lstStyle/>
+                    <a:p>
+                      <a:endParaRPr lang="en-US" sz="1400" dirty="0">
+                        <a:solidFill>
+                          <a:sysClr val="windowText" lastClr="000000"/>
+                        </a:solidFill>
+                      </a:endParaRPr>
+                    </a:p>
+                  </a:txBody>
+                  <a:tcPr>
+                    <a:lnL w="12700" cap="flat" cmpd="sng" algn="ctr">
+                      <a:solidFill>
+                        <a:schemeClr val="tx1"/>
+                      </a:solidFill>
+                      <a:prstDash val="solid"/>
+                      <a:round/>
+                      <a:headEnd type="none" w="med" len="med"/>
+                      <a:tailEnd type="none" w="med" len="med"/>
+                    </a:lnL>
+                    <a:lnR w="12700" cap="flat" cmpd="sng" algn="ctr">
+                      <a:solidFill>
+                        <a:schemeClr val="tx1"/>
+                      </a:solidFill>
+                      <a:prstDash val="solid"/>
+                      <a:round/>
+                      <a:headEnd type="none" w="med" len="med"/>
+                      <a:tailEnd type="none" w="med" len="med"/>
+                    </a:lnR>
+                    <a:lnT w="12700" cap="flat" cmpd="sng" algn="ctr">
+                      <a:solidFill>
+                        <a:schemeClr val="tx1"/>
+                      </a:solidFill>
+                      <a:prstDash val="solid"/>
+                      <a:round/>
+                      <a:headEnd type="none" w="med" len="med"/>
+                      <a:tailEnd type="none" w="med" len="med"/>
+                    </a:lnT>
+                    <a:lnB w="12700" cap="flat" cmpd="sng" algn="ctr">
+                      <a:solidFill>
+                        <a:schemeClr val="tx1"/>
+                      </a:solidFill>
+                      <a:prstDash val="solid"/>
+                      <a:round/>
+                      <a:headEnd type="none" w="med" len="med"/>
+                      <a:tailEnd type="none" w="med" len="med"/>
+                    </a:lnB>
+                    <a:noFill/>
+                  </a:tcPr>
+                </a:tc>
+                <a:tc>
+                  <a:txBody>
+                    <a:bodyPr/>
+                    <a:lstStyle/>
+                    <a:p>
+                      <a:endParaRPr lang="en-US" sz="1400" dirty="0">
+                        <a:solidFill>
+                          <a:sysClr val="windowText" lastClr="000000"/>
+                        </a:solidFill>
+                      </a:endParaRPr>
+                    </a:p>
+                  </a:txBody>
+                  <a:tcPr>
+                    <a:lnL w="12700" cap="flat" cmpd="sng" algn="ctr">
+                      <a:solidFill>
+                        <a:schemeClr val="tx1"/>
+                      </a:solidFill>
+                      <a:prstDash val="solid"/>
+                      <a:round/>
+                      <a:headEnd type="none" w="med" len="med"/>
+                      <a:tailEnd type="none" w="med" len="med"/>
+                    </a:lnL>
+                    <a:lnR w="12700" cap="flat" cmpd="sng" algn="ctr">
+                      <a:solidFill>
+                        <a:schemeClr val="tx1"/>
+                      </a:solidFill>
+                      <a:prstDash val="solid"/>
+                      <a:round/>
+                      <a:headEnd type="none" w="med" len="med"/>
+                      <a:tailEnd type="none" w="med" len="med"/>
+                    </a:lnR>
+                    <a:lnT w="12700" cap="flat" cmpd="sng" algn="ctr">
+                      <a:solidFill>
+                        <a:schemeClr val="tx1"/>
+                      </a:solidFill>
+                      <a:prstDash val="solid"/>
+                      <a:round/>
+                      <a:headEnd type="none" w="med" len="med"/>
+                      <a:tailEnd type="none" w="med" len="med"/>
+                    </a:lnT>
+                    <a:lnB w="12700" cap="flat" cmpd="sng" algn="ctr">
+                      <a:solidFill>
+                        <a:schemeClr val="tx1"/>
+                      </a:solidFill>
+                      <a:prstDash val="solid"/>
+                      <a:round/>
+                      <a:headEnd type="none" w="med" len="med"/>
+                      <a:tailEnd type="none" w="med" len="med"/>
+                    </a:lnB>
+                    <a:noFill/>
+                  </a:tcPr>
+                </a:tc>
+                <a:tc>
+                  <a:txBody>
+                    <a:bodyPr/>
+                    <a:lstStyle/>
+                    <a:p>
+                      <a:endParaRPr lang="en-US" sz="1400">
+                        <a:solidFill>
+                          <a:sysClr val="windowText" lastClr="000000"/>
+                        </a:solidFill>
+                      </a:endParaRPr>
+                    </a:p>
+                  </a:txBody>
+                  <a:tcPr>
+                    <a:lnL w="12700" cap="flat" cmpd="sng" algn="ctr">
+                      <a:solidFill>
+                        <a:schemeClr val="tx1"/>
+                      </a:solidFill>
+                      <a:prstDash val="solid"/>
+                      <a:round/>
+                      <a:headEnd type="none" w="med" len="med"/>
+                      <a:tailEnd type="none" w="med" len="med"/>
+                    </a:lnL>
+                    <a:lnR w="12700" cap="flat" cmpd="sng" algn="ctr">
+                      <a:solidFill>
+                        <a:schemeClr val="tx1"/>
+                      </a:solidFill>
+                      <a:prstDash val="solid"/>
+                      <a:round/>
+                      <a:headEnd type="none" w="med" len="med"/>
+                      <a:tailEnd type="none" w="med" len="med"/>
+                    </a:lnR>
+                    <a:lnT w="12700" cap="flat" cmpd="sng" algn="ctr">
+                      <a:solidFill>
+                        <a:schemeClr val="tx1"/>
+                      </a:solidFill>
+                      <a:prstDash val="solid"/>
+                      <a:round/>
+                      <a:headEnd type="none" w="med" len="med"/>
+                      <a:tailEnd type="none" w="med" len="med"/>
+                    </a:lnT>
+                    <a:lnB w="12700" cap="flat" cmpd="sng" algn="ctr">
+                      <a:solidFill>
+                        <a:schemeClr val="tx1"/>
+                      </a:solidFill>
+                      <a:prstDash val="solid"/>
+                      <a:round/>
+                      <a:headEnd type="none" w="med" len="med"/>
+                      <a:tailEnd type="none" w="med" len="med"/>
+                    </a:lnB>
+                    <a:noFill/>
+                  </a:tcPr>
+                </a:tc>
+                <a:tc>
+                  <a:txBody>
+                    <a:bodyPr/>
+                    <a:lstStyle/>
+                    <a:p>
+                      <a:endParaRPr lang="en-US" sz="1400">
+                        <a:solidFill>
+                          <a:sysClr val="windowText" lastClr="000000"/>
+                        </a:solidFill>
+                      </a:endParaRPr>
+                    </a:p>
+                  </a:txBody>
+                  <a:tcPr>
+                    <a:lnL w="12700" cap="flat" cmpd="sng" algn="ctr">
+                      <a:solidFill>
+                        <a:schemeClr val="tx1"/>
+                      </a:solidFill>
+                      <a:prstDash val="solid"/>
+                      <a:round/>
+                      <a:headEnd type="none" w="med" len="med"/>
+                      <a:tailEnd type="none" w="med" len="med"/>
+                    </a:lnL>
+                    <a:lnR w="12700" cap="flat" cmpd="sng" algn="ctr">
+                      <a:solidFill>
+                        <a:schemeClr val="tx1"/>
+                      </a:solidFill>
+                      <a:prstDash val="solid"/>
+                      <a:round/>
+                      <a:headEnd type="none" w="med" len="med"/>
+                      <a:tailEnd type="none" w="med" len="med"/>
+                    </a:lnR>
+                    <a:lnT w="12700" cap="flat" cmpd="sng" algn="ctr">
+                      <a:solidFill>
+                        <a:schemeClr val="tx1"/>
+                      </a:solidFill>
+                      <a:prstDash val="solid"/>
+                      <a:round/>
+                      <a:headEnd type="none" w="med" len="med"/>
+                      <a:tailEnd type="none" w="med" len="med"/>
+                    </a:lnT>
+                    <a:lnB w="12700" cap="flat" cmpd="sng" algn="ctr">
+                      <a:solidFill>
+                        <a:schemeClr val="tx1"/>
+                      </a:solidFill>
+                      <a:prstDash val="solid"/>
+                      <a:round/>
+                      <a:headEnd type="none" w="med" len="med"/>
+                      <a:tailEnd type="none" w="med" len="med"/>
+                    </a:lnB>
+                    <a:noFill/>
+                  </a:tcPr>
+                </a:tc>
+                <a:tc>
+                  <a:txBody>
+                    <a:bodyPr/>
+                    <a:lstStyle/>
+                    <a:p>
+                      <a:endParaRPr lang="en-US" sz="1400">
+                        <a:solidFill>
+                          <a:sysClr val="windowText" lastClr="000000"/>
+                        </a:solidFill>
+                      </a:endParaRPr>
+                    </a:p>
+                  </a:txBody>
+                  <a:tcPr>
+                    <a:lnL w="12700" cap="flat" cmpd="sng" algn="ctr">
+                      <a:solidFill>
+                        <a:schemeClr val="tx1"/>
+                      </a:solidFill>
+                      <a:prstDash val="solid"/>
+                      <a:round/>
+                      <a:headEnd type="none" w="med" len="med"/>
+                      <a:tailEnd type="none" w="med" len="med"/>
+                    </a:lnL>
+                    <a:lnR w="12700" cap="flat" cmpd="sng" algn="ctr">
+                      <a:solidFill>
+                        <a:schemeClr val="tx1"/>
+                      </a:solidFill>
+                      <a:prstDash val="solid"/>
+                      <a:round/>
+                      <a:headEnd type="none" w="med" len="med"/>
+                      <a:tailEnd type="none" w="med" len="med"/>
+                    </a:lnR>
+                    <a:lnT w="12700" cap="flat" cmpd="sng" algn="ctr">
+                      <a:solidFill>
+                        <a:schemeClr val="tx1"/>
+                      </a:solidFill>
+                      <a:prstDash val="solid"/>
+                      <a:round/>
+                      <a:headEnd type="none" w="med" len="med"/>
+                      <a:tailEnd type="none" w="med" len="med"/>
+                    </a:lnT>
+                    <a:lnB w="12700" cap="flat" cmpd="sng" algn="ctr">
+                      <a:solidFill>
+                        <a:schemeClr val="tx1"/>
+                      </a:solidFill>
+                      <a:prstDash val="solid"/>
+                      <a:round/>
+                      <a:headEnd type="none" w="med" len="med"/>
+                      <a:tailEnd type="none" w="med" len="med"/>
+                    </a:lnB>
+                    <a:noFill/>
+                  </a:tcPr>
+                </a:tc>
+                <a:tc>
+                  <a:txBody>
+                    <a:bodyPr/>
+                    <a:lstStyle/>
+                    <a:p>
+                      <a:endParaRPr lang="en-US" sz="1400" dirty="0">
+                        <a:solidFill>
+                          <a:sysClr val="windowText" lastClr="000000"/>
+                        </a:solidFill>
+                      </a:endParaRPr>
+                    </a:p>
+                  </a:txBody>
+                  <a:tcPr>
+                    <a:lnL w="12700" cap="flat" cmpd="sng" algn="ctr">
+                      <a:solidFill>
+                        <a:schemeClr val="tx1"/>
+                      </a:solidFill>
+                      <a:prstDash val="solid"/>
+                      <a:round/>
+                      <a:headEnd type="none" w="med" len="med"/>
+                      <a:tailEnd type="none" w="med" len="med"/>
+                    </a:lnL>
+                    <a:lnR w="12700" cap="flat" cmpd="sng" algn="ctr">
+                      <a:solidFill>
+                        <a:schemeClr val="tx1"/>
+                      </a:solidFill>
+                      <a:prstDash val="solid"/>
+                      <a:round/>
+                      <a:headEnd type="none" w="med" len="med"/>
+                      <a:tailEnd type="none" w="med" len="med"/>
+                    </a:lnR>
+                    <a:lnT w="12700" cap="flat" cmpd="sng" algn="ctr">
+                      <a:solidFill>
+                        <a:schemeClr val="tx1"/>
+                      </a:solidFill>
+                      <a:prstDash val="solid"/>
+                      <a:round/>
+                      <a:headEnd type="none" w="med" len="med"/>
+                      <a:tailEnd type="none" w="med" len="med"/>
+                    </a:lnT>
+                    <a:lnB w="12700" cap="flat" cmpd="sng" algn="ctr">
+                      <a:solidFill>
+                        <a:schemeClr val="tx1"/>
+                      </a:solidFill>
+                      <a:prstDash val="solid"/>
+                      <a:round/>
+                      <a:headEnd type="none" w="med" len="med"/>
+                      <a:tailEnd type="none" w="med" len="med"/>
+                    </a:lnB>
+                    <a:noFill/>
+                  </a:tcPr>
+                </a:tc>
+                <a:extLst>
+                  <a:ext uri="{0D108BD9-81ED-4DB2-BD59-A6C34878D82A}">
+                    <a16:rowId xmlns:a16="http://schemas.microsoft.com/office/drawing/2014/main" val="2350944767"/>
+                  </a:ext>
+                </a:extLst>
+              </a:tr>
+              <a:tr h="218921">
+                <a:tc>
+                  <a:txBody>
+                    <a:bodyPr/>
+                    <a:lstStyle/>
+                    <a:p>
+                      <a:pPr algn="ctr"/>
+                      <a:r>
+                        <a:rPr lang="en-US" sz="1400" dirty="0">
+                          <a:solidFill>
+                            <a:sysClr val="windowText" lastClr="000000"/>
+                          </a:solidFill>
+                        </a:rPr>
+                        <a:t>FL</a:t>
+                      </a:r>
+                    </a:p>
+                  </a:txBody>
+                  <a:tcPr>
+                    <a:lnL w="12700" cap="flat" cmpd="sng" algn="ctr">
+                      <a:solidFill>
+                        <a:schemeClr val="tx1"/>
+                      </a:solidFill>
+                      <a:prstDash val="solid"/>
+                      <a:round/>
+                      <a:headEnd type="none" w="med" len="med"/>
+                      <a:tailEnd type="none" w="med" len="med"/>
+                    </a:lnL>
+                    <a:lnR w="12700" cap="flat" cmpd="sng" algn="ctr">
+                      <a:solidFill>
+                        <a:schemeClr val="tx1"/>
+                      </a:solidFill>
+                      <a:prstDash val="solid"/>
+                      <a:round/>
+                      <a:headEnd type="none" w="med" len="med"/>
+                      <a:tailEnd type="none" w="med" len="med"/>
+                    </a:lnR>
+                    <a:lnT w="12700" cap="flat" cmpd="sng" algn="ctr">
+                      <a:solidFill>
+                        <a:schemeClr val="tx1"/>
+                      </a:solidFill>
+                      <a:prstDash val="solid"/>
+                      <a:round/>
+                      <a:headEnd type="none" w="med" len="med"/>
+                      <a:tailEnd type="none" w="med" len="med"/>
+                    </a:lnT>
+                    <a:lnB w="12700" cap="flat" cmpd="sng" algn="ctr">
+                      <a:solidFill>
+                        <a:schemeClr val="tx1"/>
+                      </a:solidFill>
+                      <a:prstDash val="solid"/>
+                      <a:round/>
+                      <a:headEnd type="none" w="med" len="med"/>
+                      <a:tailEnd type="none" w="med" len="med"/>
+                    </a:lnB>
                     <a:noFill/>
                   </a:tcPr>
                 </a:tc>
@@ -6137,10 +4418,10 @@
                       <a:r>
                         <a:rPr lang="en-US" sz="1400" dirty="0">
                           <a:solidFill>
-                            <a:schemeClr val="tx1"/>
+                            <a:sysClr val="windowText" lastClr="000000"/>
                           </a:solidFill>
                         </a:rPr>
-                        <a:t>5</a:t>
+                        <a:t>10</a:t>
                       </a:r>
                     </a:p>
                   </a:txBody>
@@ -6181,14 +4462,6 @@
                       <a:headEnd type="none" w="med" len="med"/>
                       <a:tailEnd type="none" w="med" len="med"/>
                     </a:lnB>
-                    <a:lnTlToBr w="12700" cmpd="sng">
-                      <a:noFill/>
-                      <a:prstDash val="solid"/>
-                    </a:lnTlToBr>
-                    <a:lnBlToTr w="12700" cmpd="sng">
-                      <a:noFill/>
-                      <a:prstDash val="solid"/>
-                    </a:lnBlToTr>
                     <a:noFill/>
                   </a:tcPr>
                 </a:tc>
@@ -6199,7 +4472,7 @@
                     <a:p>
                       <a:endParaRPr lang="en-US" sz="1400" dirty="0">
                         <a:solidFill>
-                          <a:schemeClr val="tx1"/>
+                          <a:sysClr val="windowText" lastClr="000000"/>
                         </a:solidFill>
                       </a:endParaRPr>
                     </a:p>
@@ -6241,14 +4514,162 @@
                       <a:headEnd type="none" w="med" len="med"/>
                       <a:tailEnd type="none" w="med" len="med"/>
                     </a:lnB>
-                    <a:lnTlToBr w="12700" cmpd="sng">
-                      <a:noFill/>
-                      <a:prstDash val="solid"/>
-                    </a:lnTlToBr>
-                    <a:lnBlToTr w="12700" cmpd="sng">
-                      <a:noFill/>
-                      <a:prstDash val="solid"/>
-                    </a:lnBlToTr>
+                    <a:noFill/>
+                  </a:tcPr>
+                </a:tc>
+                <a:tc>
+                  <a:txBody>
+                    <a:bodyPr/>
+                    <a:lstStyle/>
+                    <a:p>
+                      <a:endParaRPr lang="en-US" sz="1400" dirty="0">
+                        <a:solidFill>
+                          <a:sysClr val="windowText" lastClr="000000"/>
+                        </a:solidFill>
+                      </a:endParaRPr>
+                    </a:p>
+                  </a:txBody>
+                  <a:tcPr>
+                    <a:lnL w="12700" cap="flat" cmpd="sng" algn="ctr">
+                      <a:solidFill>
+                        <a:schemeClr val="tx1"/>
+                      </a:solidFill>
+                      <a:prstDash val="solid"/>
+                      <a:round/>
+                      <a:headEnd type="none" w="med" len="med"/>
+                      <a:tailEnd type="none" w="med" len="med"/>
+                    </a:lnL>
+                    <a:lnR w="12700" cap="flat" cmpd="sng" algn="ctr">
+                      <a:solidFill>
+                        <a:schemeClr val="tx1"/>
+                      </a:solidFill>
+                      <a:prstDash val="solid"/>
+                      <a:round/>
+                      <a:headEnd type="none" w="med" len="med"/>
+                      <a:tailEnd type="none" w="med" len="med"/>
+                    </a:lnR>
+                    <a:lnT w="12700" cap="flat" cmpd="sng" algn="ctr">
+                      <a:solidFill>
+                        <a:schemeClr val="tx1"/>
+                      </a:solidFill>
+                      <a:prstDash val="solid"/>
+                      <a:round/>
+                      <a:headEnd type="none" w="med" len="med"/>
+                      <a:tailEnd type="none" w="med" len="med"/>
+                    </a:lnT>
+                    <a:lnB w="12700" cap="flat" cmpd="sng" algn="ctr">
+                      <a:solidFill>
+                        <a:schemeClr val="tx1"/>
+                      </a:solidFill>
+                      <a:prstDash val="solid"/>
+                      <a:round/>
+                      <a:headEnd type="none" w="med" len="med"/>
+                      <a:tailEnd type="none" w="med" len="med"/>
+                    </a:lnB>
+                    <a:noFill/>
+                  </a:tcPr>
+                </a:tc>
+                <a:tc>
+                  <a:txBody>
+                    <a:bodyPr/>
+                    <a:lstStyle/>
+                    <a:p>
+                      <a:endParaRPr lang="en-US" sz="1400" dirty="0">
+                        <a:solidFill>
+                          <a:sysClr val="windowText" lastClr="000000"/>
+                        </a:solidFill>
+                      </a:endParaRPr>
+                    </a:p>
+                  </a:txBody>
+                  <a:tcPr>
+                    <a:lnL w="12700" cap="flat" cmpd="sng" algn="ctr">
+                      <a:solidFill>
+                        <a:schemeClr val="tx1"/>
+                      </a:solidFill>
+                      <a:prstDash val="solid"/>
+                      <a:round/>
+                      <a:headEnd type="none" w="med" len="med"/>
+                      <a:tailEnd type="none" w="med" len="med"/>
+                    </a:lnL>
+                    <a:lnR w="12700" cap="flat" cmpd="sng" algn="ctr">
+                      <a:solidFill>
+                        <a:schemeClr val="tx1"/>
+                      </a:solidFill>
+                      <a:prstDash val="solid"/>
+                      <a:round/>
+                      <a:headEnd type="none" w="med" len="med"/>
+                      <a:tailEnd type="none" w="med" len="med"/>
+                    </a:lnR>
+                    <a:lnT w="12700" cap="flat" cmpd="sng" algn="ctr">
+                      <a:solidFill>
+                        <a:schemeClr val="tx1"/>
+                      </a:solidFill>
+                      <a:prstDash val="solid"/>
+                      <a:round/>
+                      <a:headEnd type="none" w="med" len="med"/>
+                      <a:tailEnd type="none" w="med" len="med"/>
+                    </a:lnT>
+                    <a:lnB w="12700" cap="flat" cmpd="sng" algn="ctr">
+                      <a:solidFill>
+                        <a:schemeClr val="tx1"/>
+                      </a:solidFill>
+                      <a:prstDash val="solid"/>
+                      <a:round/>
+                      <a:headEnd type="none" w="med" len="med"/>
+                      <a:tailEnd type="none" w="med" len="med"/>
+                    </a:lnB>
+                    <a:noFill/>
+                  </a:tcPr>
+                </a:tc>
+                <a:tc>
+                  <a:txBody>
+                    <a:bodyPr/>
+                    <a:lstStyle/>
+                    <a:p>
+                      <a:endParaRPr lang="en-US" sz="1400" dirty="0">
+                        <a:solidFill>
+                          <a:sysClr val="windowText" lastClr="000000"/>
+                        </a:solidFill>
+                      </a:endParaRPr>
+                    </a:p>
+                  </a:txBody>
+                  <a:tcPr>
+                    <a:lnL w="12700" cap="flat" cmpd="sng" algn="ctr">
+                      <a:solidFill>
+                        <a:schemeClr val="tx1"/>
+                      </a:solidFill>
+                      <a:prstDash val="solid"/>
+                      <a:round/>
+                      <a:headEnd type="none" w="med" len="med"/>
+                      <a:tailEnd type="none" w="med" len="med"/>
+                    </a:lnL>
+                    <a:lnR w="12700" cap="flat" cmpd="sng" algn="ctr">
+                      <a:solidFill>
+                        <a:schemeClr val="tx1"/>
+                      </a:solidFill>
+                      <a:prstDash val="solid"/>
+                      <a:round/>
+                      <a:headEnd type="none" w="med" len="med"/>
+                      <a:tailEnd type="none" w="med" len="med"/>
+                    </a:lnR>
+                    <a:lnT w="12700" cap="flat" cmpd="sng" algn="ctr">
+                      <a:solidFill>
+                        <a:schemeClr val="tx1"/>
+                      </a:solidFill>
+                      <a:prstDash val="solid"/>
+                      <a:round/>
+                      <a:headEnd type="none" w="med" len="med"/>
+                      <a:tailEnd type="none" w="med" len="med"/>
+                    </a:lnT>
+                    <a:lnB w="12700" cap="flat" cmpd="sng" algn="ctr">
+                      <a:solidFill>
+                        <a:schemeClr val="tx1"/>
+                      </a:solidFill>
+                      <a:prstDash val="solid"/>
+                      <a:round/>
+                      <a:headEnd type="none" w="med" len="med"/>
+                      <a:tailEnd type="none" w="med" len="med"/>
+                    </a:lnB>
                     <a:noFill/>
                   </a:tcPr>
                 </a:tc>
@@ -6259,7 +4680,7 @@
                     <a:p>
                       <a:endParaRPr lang="en-US" sz="1400">
                         <a:solidFill>
-                          <a:schemeClr val="tx1"/>
+                          <a:sysClr val="windowText" lastClr="000000"/>
                         </a:solidFill>
                       </a:endParaRPr>
                     </a:p>
@@ -6301,134 +4722,6 @@
                       <a:headEnd type="none" w="med" len="med"/>
                       <a:tailEnd type="none" w="med" len="med"/>
                     </a:lnB>
-                    <a:lnTlToBr w="12700" cmpd="sng">
-                      <a:noFill/>
-                      <a:prstDash val="solid"/>
-                    </a:lnTlToBr>
-                    <a:lnBlToTr w="12700" cmpd="sng">
-                      <a:noFill/>
-                      <a:prstDash val="solid"/>
-                    </a:lnBlToTr>
-                    <a:noFill/>
-                  </a:tcPr>
-                </a:tc>
-                <a:tc>
-                  <a:txBody>
-                    <a:bodyPr/>
-                    <a:lstStyle/>
-                    <a:p>
-                      <a:endParaRPr lang="en-US" sz="1400">
-                        <a:solidFill>
-                          <a:schemeClr val="tx1"/>
-                        </a:solidFill>
-                      </a:endParaRPr>
-                    </a:p>
-                  </a:txBody>
-                  <a:tcPr>
-                    <a:lnL w="12700" cap="flat" cmpd="sng" algn="ctr">
-                      <a:solidFill>
-                        <a:schemeClr val="tx1"/>
-                      </a:solidFill>
-                      <a:prstDash val="solid"/>
-                      <a:round/>
-                      <a:headEnd type="none" w="med" len="med"/>
-                      <a:tailEnd type="none" w="med" len="med"/>
-                    </a:lnL>
-                    <a:lnR w="12700" cap="flat" cmpd="sng" algn="ctr">
-                      <a:solidFill>
-                        <a:schemeClr val="tx1"/>
-                      </a:solidFill>
-                      <a:prstDash val="solid"/>
-                      <a:round/>
-                      <a:headEnd type="none" w="med" len="med"/>
-                      <a:tailEnd type="none" w="med" len="med"/>
-                    </a:lnR>
-                    <a:lnT w="12700" cap="flat" cmpd="sng" algn="ctr">
-                      <a:solidFill>
-                        <a:schemeClr val="tx1"/>
-                      </a:solidFill>
-                      <a:prstDash val="solid"/>
-                      <a:round/>
-                      <a:headEnd type="none" w="med" len="med"/>
-                      <a:tailEnd type="none" w="med" len="med"/>
-                    </a:lnT>
-                    <a:lnB w="12700" cap="flat" cmpd="sng" algn="ctr">
-                      <a:solidFill>
-                        <a:schemeClr val="tx1"/>
-                      </a:solidFill>
-                      <a:prstDash val="solid"/>
-                      <a:round/>
-                      <a:headEnd type="none" w="med" len="med"/>
-                      <a:tailEnd type="none" w="med" len="med"/>
-                    </a:lnB>
-                    <a:lnTlToBr w="12700" cmpd="sng">
-                      <a:noFill/>
-                      <a:prstDash val="solid"/>
-                    </a:lnTlToBr>
-                    <a:lnBlToTr w="12700" cmpd="sng">
-                      <a:noFill/>
-                      <a:prstDash val="solid"/>
-                    </a:lnBlToTr>
-                    <a:noFill/>
-                  </a:tcPr>
-                </a:tc>
-                <a:tc>
-                  <a:txBody>
-                    <a:bodyPr/>
-                    <a:lstStyle/>
-                    <a:p>
-                      <a:endParaRPr lang="en-US" sz="1400">
-                        <a:solidFill>
-                          <a:schemeClr val="tx1"/>
-                        </a:solidFill>
-                      </a:endParaRPr>
-                    </a:p>
-                  </a:txBody>
-                  <a:tcPr>
-                    <a:lnL w="12700" cap="flat" cmpd="sng" algn="ctr">
-                      <a:solidFill>
-                        <a:schemeClr val="tx1"/>
-                      </a:solidFill>
-                      <a:prstDash val="solid"/>
-                      <a:round/>
-                      <a:headEnd type="none" w="med" len="med"/>
-                      <a:tailEnd type="none" w="med" len="med"/>
-                    </a:lnL>
-                    <a:lnR w="12700" cap="flat" cmpd="sng" algn="ctr">
-                      <a:solidFill>
-                        <a:schemeClr val="tx1"/>
-                      </a:solidFill>
-                      <a:prstDash val="solid"/>
-                      <a:round/>
-                      <a:headEnd type="none" w="med" len="med"/>
-                      <a:tailEnd type="none" w="med" len="med"/>
-                    </a:lnR>
-                    <a:lnT w="12700" cap="flat" cmpd="sng" algn="ctr">
-                      <a:solidFill>
-                        <a:schemeClr val="tx1"/>
-                      </a:solidFill>
-                      <a:prstDash val="solid"/>
-                      <a:round/>
-                      <a:headEnd type="none" w="med" len="med"/>
-                      <a:tailEnd type="none" w="med" len="med"/>
-                    </a:lnT>
-                    <a:lnB w="12700" cap="flat" cmpd="sng" algn="ctr">
-                      <a:solidFill>
-                        <a:schemeClr val="tx1"/>
-                      </a:solidFill>
-                      <a:prstDash val="solid"/>
-                      <a:round/>
-                      <a:headEnd type="none" w="med" len="med"/>
-                      <a:tailEnd type="none" w="med" len="med"/>
-                    </a:lnB>
-                    <a:lnTlToBr w="12700" cmpd="sng">
-                      <a:noFill/>
-                      <a:prstDash val="solid"/>
-                    </a:lnTlToBr>
-                    <a:lnBlToTr w="12700" cmpd="sng">
-                      <a:noFill/>
-                      <a:prstDash val="solid"/>
-                    </a:lnBlToTr>
                     <a:noFill/>
                   </a:tcPr>
                 </a:tc>
@@ -6439,7 +4732,7 @@
                     <a:p>
                       <a:endParaRPr lang="en-US" sz="1400" dirty="0">
                         <a:solidFill>
-                          <a:schemeClr val="tx1"/>
+                          <a:sysClr val="windowText" lastClr="000000"/>
                         </a:solidFill>
                       </a:endParaRPr>
                     </a:p>
@@ -6481,24 +4774,16 @@
                       <a:headEnd type="none" w="med" len="med"/>
                       <a:tailEnd type="none" w="med" len="med"/>
                     </a:lnB>
-                    <a:lnTlToBr w="12700" cmpd="sng">
-                      <a:noFill/>
-                      <a:prstDash val="solid"/>
-                    </a:lnTlToBr>
-                    <a:lnBlToTr w="12700" cmpd="sng">
-                      <a:noFill/>
-                      <a:prstDash val="solid"/>
-                    </a:lnBlToTr>
                     <a:noFill/>
                   </a:tcPr>
                 </a:tc>
                 <a:extLst>
                   <a:ext uri="{0D108BD9-81ED-4DB2-BD59-A6C34878D82A}">
-                    <a16:rowId xmlns:a16="http://schemas.microsoft.com/office/drawing/2014/main" val="2350944767"/>
+                    <a16:rowId xmlns:a16="http://schemas.microsoft.com/office/drawing/2014/main" val="4002431490"/>
                   </a:ext>
                 </a:extLst>
               </a:tr>
-              <a:tr h="193854">
+              <a:tr h="218921">
                 <a:tc>
                   <a:txBody>
                     <a:bodyPr/>
@@ -6508,10 +4793,10 @@
                       <a:r>
                         <a:rPr lang="en-US" sz="1400" dirty="0">
                           <a:solidFill>
-                            <a:schemeClr val="tx1"/>
+                            <a:sysClr val="windowText" lastClr="000000"/>
                           </a:solidFill>
                         </a:rPr>
-                        <a:t>28</a:t>
+                        <a:t>TX</a:t>
                       </a:r>
                     </a:p>
                   </a:txBody>
@@ -6552,14 +4837,6 @@
                       <a:headEnd type="none" w="med" len="med"/>
                       <a:tailEnd type="none" w="med" len="med"/>
                     </a:lnB>
-                    <a:lnTlToBr w="12700" cmpd="sng">
-                      <a:noFill/>
-                      <a:prstDash val="solid"/>
-                    </a:lnTlToBr>
-                    <a:lnBlToTr w="12700" cmpd="sng">
-                      <a:noFill/>
-                      <a:prstDash val="solid"/>
-                    </a:lnBlToTr>
                     <a:noFill/>
                   </a:tcPr>
                 </a:tc>
@@ -6572,10 +4849,10 @@
                       <a:r>
                         <a:rPr lang="en-US" sz="1400" dirty="0">
                           <a:solidFill>
-                            <a:schemeClr val="tx1"/>
+                            <a:sysClr val="windowText" lastClr="000000"/>
                           </a:solidFill>
                         </a:rPr>
-                        <a:t>-83</a:t>
+                        <a:t>7</a:t>
                       </a:r>
                     </a:p>
                   </a:txBody>
@@ -6616,14 +4893,381 @@
                       <a:headEnd type="none" w="med" len="med"/>
                       <a:tailEnd type="none" w="med" len="med"/>
                     </a:lnB>
-                    <a:lnTlToBr w="12700" cmpd="sng">
-                      <a:noFill/>
-                      <a:prstDash val="solid"/>
-                    </a:lnTlToBr>
-                    <a:lnBlToTr w="12700" cmpd="sng">
-                      <a:noFill/>
-                      <a:prstDash val="solid"/>
-                    </a:lnBlToTr>
+                    <a:noFill/>
+                  </a:tcPr>
+                </a:tc>
+                <a:tc>
+                  <a:txBody>
+                    <a:bodyPr/>
+                    <a:lstStyle/>
+                    <a:p>
+                      <a:endParaRPr lang="en-US" sz="1400" dirty="0">
+                        <a:solidFill>
+                          <a:sysClr val="windowText" lastClr="000000"/>
+                        </a:solidFill>
+                      </a:endParaRPr>
+                    </a:p>
+                  </a:txBody>
+                  <a:tcPr>
+                    <a:lnL w="12700" cap="flat" cmpd="sng" algn="ctr">
+                      <a:solidFill>
+                        <a:schemeClr val="tx1"/>
+                      </a:solidFill>
+                      <a:prstDash val="solid"/>
+                      <a:round/>
+                      <a:headEnd type="none" w="med" len="med"/>
+                      <a:tailEnd type="none" w="med" len="med"/>
+                    </a:lnL>
+                    <a:lnR w="12700" cap="flat" cmpd="sng" algn="ctr">
+                      <a:solidFill>
+                        <a:schemeClr val="tx1"/>
+                      </a:solidFill>
+                      <a:prstDash val="solid"/>
+                      <a:round/>
+                      <a:headEnd type="none" w="med" len="med"/>
+                      <a:tailEnd type="none" w="med" len="med"/>
+                    </a:lnR>
+                    <a:lnT w="12700" cap="flat" cmpd="sng" algn="ctr">
+                      <a:solidFill>
+                        <a:schemeClr val="tx1"/>
+                      </a:solidFill>
+                      <a:prstDash val="solid"/>
+                      <a:round/>
+                      <a:headEnd type="none" w="med" len="med"/>
+                      <a:tailEnd type="none" w="med" len="med"/>
+                    </a:lnT>
+                    <a:lnB w="12700" cap="flat" cmpd="sng" algn="ctr">
+                      <a:solidFill>
+                        <a:schemeClr val="tx1"/>
+                      </a:solidFill>
+                      <a:prstDash val="solid"/>
+                      <a:round/>
+                      <a:headEnd type="none" w="med" len="med"/>
+                      <a:tailEnd type="none" w="med" len="med"/>
+                    </a:lnB>
+                    <a:noFill/>
+                  </a:tcPr>
+                </a:tc>
+                <a:tc>
+                  <a:txBody>
+                    <a:bodyPr/>
+                    <a:lstStyle/>
+                    <a:p>
+                      <a:endParaRPr lang="en-US" sz="1400" dirty="0">
+                        <a:solidFill>
+                          <a:sysClr val="windowText" lastClr="000000"/>
+                        </a:solidFill>
+                      </a:endParaRPr>
+                    </a:p>
+                  </a:txBody>
+                  <a:tcPr>
+                    <a:lnL w="12700" cap="flat" cmpd="sng" algn="ctr">
+                      <a:solidFill>
+                        <a:schemeClr val="tx1"/>
+                      </a:solidFill>
+                      <a:prstDash val="solid"/>
+                      <a:round/>
+                      <a:headEnd type="none" w="med" len="med"/>
+                      <a:tailEnd type="none" w="med" len="med"/>
+                    </a:lnL>
+                    <a:lnR w="12700" cap="flat" cmpd="sng" algn="ctr">
+                      <a:solidFill>
+                        <a:schemeClr val="tx1"/>
+                      </a:solidFill>
+                      <a:prstDash val="solid"/>
+                      <a:round/>
+                      <a:headEnd type="none" w="med" len="med"/>
+                      <a:tailEnd type="none" w="med" len="med"/>
+                    </a:lnR>
+                    <a:lnT w="12700" cap="flat" cmpd="sng" algn="ctr">
+                      <a:solidFill>
+                        <a:schemeClr val="tx1"/>
+                      </a:solidFill>
+                      <a:prstDash val="solid"/>
+                      <a:round/>
+                      <a:headEnd type="none" w="med" len="med"/>
+                      <a:tailEnd type="none" w="med" len="med"/>
+                    </a:lnT>
+                    <a:lnB w="12700" cap="flat" cmpd="sng" algn="ctr">
+                      <a:solidFill>
+                        <a:schemeClr val="tx1"/>
+                      </a:solidFill>
+                      <a:prstDash val="solid"/>
+                      <a:round/>
+                      <a:headEnd type="none" w="med" len="med"/>
+                      <a:tailEnd type="none" w="med" len="med"/>
+                    </a:lnB>
+                    <a:noFill/>
+                  </a:tcPr>
+                </a:tc>
+                <a:tc>
+                  <a:txBody>
+                    <a:bodyPr/>
+                    <a:lstStyle/>
+                    <a:p>
+                      <a:endParaRPr lang="en-US" sz="1400" dirty="0">
+                        <a:solidFill>
+                          <a:sysClr val="windowText" lastClr="000000"/>
+                        </a:solidFill>
+                      </a:endParaRPr>
+                    </a:p>
+                  </a:txBody>
+                  <a:tcPr>
+                    <a:lnL w="12700" cap="flat" cmpd="sng" algn="ctr">
+                      <a:solidFill>
+                        <a:schemeClr val="tx1"/>
+                      </a:solidFill>
+                      <a:prstDash val="solid"/>
+                      <a:round/>
+                      <a:headEnd type="none" w="med" len="med"/>
+                      <a:tailEnd type="none" w="med" len="med"/>
+                    </a:lnL>
+                    <a:lnR w="12700" cap="flat" cmpd="sng" algn="ctr">
+                      <a:solidFill>
+                        <a:schemeClr val="tx1"/>
+                      </a:solidFill>
+                      <a:prstDash val="solid"/>
+                      <a:round/>
+                      <a:headEnd type="none" w="med" len="med"/>
+                      <a:tailEnd type="none" w="med" len="med"/>
+                    </a:lnR>
+                    <a:lnT w="12700" cap="flat" cmpd="sng" algn="ctr">
+                      <a:solidFill>
+                        <a:schemeClr val="tx1"/>
+                      </a:solidFill>
+                      <a:prstDash val="solid"/>
+                      <a:round/>
+                      <a:headEnd type="none" w="med" len="med"/>
+                      <a:tailEnd type="none" w="med" len="med"/>
+                    </a:lnT>
+                    <a:lnB w="12700" cap="flat" cmpd="sng" algn="ctr">
+                      <a:solidFill>
+                        <a:schemeClr val="tx1"/>
+                      </a:solidFill>
+                      <a:prstDash val="solid"/>
+                      <a:round/>
+                      <a:headEnd type="none" w="med" len="med"/>
+                      <a:tailEnd type="none" w="med" len="med"/>
+                    </a:lnB>
+                    <a:noFill/>
+                  </a:tcPr>
+                </a:tc>
+                <a:tc>
+                  <a:txBody>
+                    <a:bodyPr/>
+                    <a:lstStyle/>
+                    <a:p>
+                      <a:endParaRPr lang="en-US" sz="1400" dirty="0">
+                        <a:solidFill>
+                          <a:sysClr val="windowText" lastClr="000000"/>
+                        </a:solidFill>
+                      </a:endParaRPr>
+                    </a:p>
+                  </a:txBody>
+                  <a:tcPr>
+                    <a:lnL w="12700" cap="flat" cmpd="sng" algn="ctr">
+                      <a:solidFill>
+                        <a:schemeClr val="tx1"/>
+                      </a:solidFill>
+                      <a:prstDash val="solid"/>
+                      <a:round/>
+                      <a:headEnd type="none" w="med" len="med"/>
+                      <a:tailEnd type="none" w="med" len="med"/>
+                    </a:lnL>
+                    <a:lnR w="12700" cap="flat" cmpd="sng" algn="ctr">
+                      <a:solidFill>
+                        <a:schemeClr val="tx1"/>
+                      </a:solidFill>
+                      <a:prstDash val="solid"/>
+                      <a:round/>
+                      <a:headEnd type="none" w="med" len="med"/>
+                      <a:tailEnd type="none" w="med" len="med"/>
+                    </a:lnR>
+                    <a:lnT w="12700" cap="flat" cmpd="sng" algn="ctr">
+                      <a:solidFill>
+                        <a:schemeClr val="tx1"/>
+                      </a:solidFill>
+                      <a:prstDash val="solid"/>
+                      <a:round/>
+                      <a:headEnd type="none" w="med" len="med"/>
+                      <a:tailEnd type="none" w="med" len="med"/>
+                    </a:lnT>
+                    <a:lnB w="12700" cap="flat" cmpd="sng" algn="ctr">
+                      <a:solidFill>
+                        <a:schemeClr val="tx1"/>
+                      </a:solidFill>
+                      <a:prstDash val="solid"/>
+                      <a:round/>
+                      <a:headEnd type="none" w="med" len="med"/>
+                      <a:tailEnd type="none" w="med" len="med"/>
+                    </a:lnB>
+                    <a:noFill/>
+                  </a:tcPr>
+                </a:tc>
+                <a:tc>
+                  <a:txBody>
+                    <a:bodyPr/>
+                    <a:lstStyle/>
+                    <a:p>
+                      <a:endParaRPr lang="en-US" sz="1400" dirty="0">
+                        <a:solidFill>
+                          <a:sysClr val="windowText" lastClr="000000"/>
+                        </a:solidFill>
+                      </a:endParaRPr>
+                    </a:p>
+                  </a:txBody>
+                  <a:tcPr>
+                    <a:lnL w="12700" cap="flat" cmpd="sng" algn="ctr">
+                      <a:solidFill>
+                        <a:schemeClr val="tx1"/>
+                      </a:solidFill>
+                      <a:prstDash val="solid"/>
+                      <a:round/>
+                      <a:headEnd type="none" w="med" len="med"/>
+                      <a:tailEnd type="none" w="med" len="med"/>
+                    </a:lnL>
+                    <a:lnR w="12700" cap="flat" cmpd="sng" algn="ctr">
+                      <a:solidFill>
+                        <a:schemeClr val="tx1"/>
+                      </a:solidFill>
+                      <a:prstDash val="solid"/>
+                      <a:round/>
+                      <a:headEnd type="none" w="med" len="med"/>
+                      <a:tailEnd type="none" w="med" len="med"/>
+                    </a:lnR>
+                    <a:lnT w="12700" cap="flat" cmpd="sng" algn="ctr">
+                      <a:solidFill>
+                        <a:schemeClr val="tx1"/>
+                      </a:solidFill>
+                      <a:prstDash val="solid"/>
+                      <a:round/>
+                      <a:headEnd type="none" w="med" len="med"/>
+                      <a:tailEnd type="none" w="med" len="med"/>
+                    </a:lnT>
+                    <a:lnB w="12700" cap="flat" cmpd="sng" algn="ctr">
+                      <a:solidFill>
+                        <a:schemeClr val="tx1"/>
+                      </a:solidFill>
+                      <a:prstDash val="solid"/>
+                      <a:round/>
+                      <a:headEnd type="none" w="med" len="med"/>
+                      <a:tailEnd type="none" w="med" len="med"/>
+                    </a:lnB>
+                    <a:noFill/>
+                  </a:tcPr>
+                </a:tc>
+                <a:tc>
+                  <a:txBody>
+                    <a:bodyPr/>
+                    <a:lstStyle/>
+                    <a:p>
+                      <a:endParaRPr lang="en-US" sz="1400" dirty="0">
+                        <a:solidFill>
+                          <a:sysClr val="windowText" lastClr="000000"/>
+                        </a:solidFill>
+                      </a:endParaRPr>
+                    </a:p>
+                  </a:txBody>
+                  <a:tcPr>
+                    <a:lnL w="12700" cap="flat" cmpd="sng" algn="ctr">
+                      <a:solidFill>
+                        <a:schemeClr val="tx1"/>
+                      </a:solidFill>
+                      <a:prstDash val="solid"/>
+                      <a:round/>
+                      <a:headEnd type="none" w="med" len="med"/>
+                      <a:tailEnd type="none" w="med" len="med"/>
+                    </a:lnL>
+                    <a:lnR w="12700" cap="flat" cmpd="sng" algn="ctr">
+                      <a:solidFill>
+                        <a:schemeClr val="tx1"/>
+                      </a:solidFill>
+                      <a:prstDash val="solid"/>
+                      <a:round/>
+                      <a:headEnd type="none" w="med" len="med"/>
+                      <a:tailEnd type="none" w="med" len="med"/>
+                    </a:lnR>
+                    <a:lnT w="12700" cap="flat" cmpd="sng" algn="ctr">
+                      <a:solidFill>
+                        <a:schemeClr val="tx1"/>
+                      </a:solidFill>
+                      <a:prstDash val="solid"/>
+                      <a:round/>
+                      <a:headEnd type="none" w="med" len="med"/>
+                      <a:tailEnd type="none" w="med" len="med"/>
+                    </a:lnT>
+                    <a:lnB w="12700" cap="flat" cmpd="sng" algn="ctr">
+                      <a:solidFill>
+                        <a:schemeClr val="tx1"/>
+                      </a:solidFill>
+                      <a:prstDash val="solid"/>
+                      <a:round/>
+                      <a:headEnd type="none" w="med" len="med"/>
+                      <a:tailEnd type="none" w="med" len="med"/>
+                    </a:lnB>
+                    <a:noFill/>
+                  </a:tcPr>
+                </a:tc>
+                <a:extLst>
+                  <a:ext uri="{0D108BD9-81ED-4DB2-BD59-A6C34878D82A}">
+                    <a16:rowId xmlns:a16="http://schemas.microsoft.com/office/drawing/2014/main" val="389150309"/>
+                  </a:ext>
+                </a:extLst>
+              </a:tr>
+              <a:tr h="218921">
+                <a:tc>
+                  <a:txBody>
+                    <a:bodyPr/>
+                    <a:lstStyle/>
+                    <a:p>
+                      <a:pPr algn="ctr"/>
+                      <a:r>
+                        <a:rPr lang="en-US" sz="1400" dirty="0">
+                          <a:solidFill>
+                            <a:sysClr val="windowText" lastClr="000000"/>
+                          </a:solidFill>
+                        </a:rPr>
+                        <a:t>MN</a:t>
+                      </a:r>
+                    </a:p>
+                  </a:txBody>
+                  <a:tcPr>
+                    <a:lnL w="12700" cap="flat" cmpd="sng" algn="ctr">
+                      <a:solidFill>
+                        <a:schemeClr val="tx1"/>
+                      </a:solidFill>
+                      <a:prstDash val="solid"/>
+                      <a:round/>
+                      <a:headEnd type="none" w="med" len="med"/>
+                      <a:tailEnd type="none" w="med" len="med"/>
+                    </a:lnL>
+                    <a:lnR w="12700" cap="flat" cmpd="sng" algn="ctr">
+                      <a:solidFill>
+                        <a:schemeClr val="tx1"/>
+                      </a:solidFill>
+                      <a:prstDash val="solid"/>
+                      <a:round/>
+                      <a:headEnd type="none" w="med" len="med"/>
+                      <a:tailEnd type="none" w="med" len="med"/>
+                    </a:lnR>
+                    <a:lnT w="12700" cap="flat" cmpd="sng" algn="ctr">
+                      <a:solidFill>
+                        <a:schemeClr val="tx1"/>
+                      </a:solidFill>
+                      <a:prstDash val="solid"/>
+                      <a:round/>
+                      <a:headEnd type="none" w="med" len="med"/>
+                      <a:tailEnd type="none" w="med" len="med"/>
+                    </a:lnT>
+                    <a:lnB w="12700" cap="flat" cmpd="sng" algn="ctr">
+                      <a:solidFill>
+                        <a:schemeClr val="tx1"/>
+                      </a:solidFill>
+                      <a:prstDash val="solid"/>
+                      <a:round/>
+                      <a:headEnd type="none" w="med" len="med"/>
+                      <a:tailEnd type="none" w="med" len="med"/>
+                    </a:lnB>
                     <a:noFill/>
                   </a:tcPr>
                 </a:tc>
@@ -6636,10 +5280,10 @@
                       <a:r>
                         <a:rPr lang="en-US" sz="1400" dirty="0">
                           <a:solidFill>
-                            <a:schemeClr val="tx1"/>
+                            <a:sysClr val="windowText" lastClr="000000"/>
                           </a:solidFill>
                         </a:rPr>
-                        <a:t>10</a:t>
+                        <a:t>2</a:t>
                       </a:r>
                     </a:p>
                   </a:txBody>
@@ -6680,14 +5324,6 @@
                       <a:headEnd type="none" w="med" len="med"/>
                       <a:tailEnd type="none" w="med" len="med"/>
                     </a:lnB>
-                    <a:lnTlToBr w="12700" cmpd="sng">
-                      <a:noFill/>
-                      <a:prstDash val="solid"/>
-                    </a:lnTlToBr>
-                    <a:lnBlToTr w="12700" cmpd="sng">
-                      <a:noFill/>
-                      <a:prstDash val="solid"/>
-                    </a:lnBlToTr>
                     <a:noFill/>
                   </a:tcPr>
                 </a:tc>
@@ -6698,7 +5334,7 @@
                     <a:p>
                       <a:endParaRPr lang="en-US" sz="1400" dirty="0">
                         <a:solidFill>
-                          <a:schemeClr val="tx1"/>
+                          <a:sysClr val="windowText" lastClr="000000"/>
                         </a:solidFill>
                       </a:endParaRPr>
                     </a:p>
@@ -6740,14 +5376,6 @@
                       <a:headEnd type="none" w="med" len="med"/>
                       <a:tailEnd type="none" w="med" len="med"/>
                     </a:lnB>
-                    <a:lnTlToBr w="12700" cmpd="sng">
-                      <a:noFill/>
-                      <a:prstDash val="solid"/>
-                    </a:lnTlToBr>
-                    <a:lnBlToTr w="12700" cmpd="sng">
-                      <a:noFill/>
-                      <a:prstDash val="solid"/>
-                    </a:lnBlToTr>
                     <a:noFill/>
                   </a:tcPr>
                 </a:tc>
@@ -6758,7 +5386,7 @@
                     <a:p>
                       <a:endParaRPr lang="en-US" sz="1400" dirty="0">
                         <a:solidFill>
-                          <a:schemeClr val="tx1"/>
+                          <a:sysClr val="windowText" lastClr="000000"/>
                         </a:solidFill>
                       </a:endParaRPr>
                     </a:p>
@@ -6800,14 +5428,6 @@
                       <a:headEnd type="none" w="med" len="med"/>
                       <a:tailEnd type="none" w="med" len="med"/>
                     </a:lnB>
-                    <a:lnTlToBr w="12700" cmpd="sng">
-                      <a:noFill/>
-                      <a:prstDash val="solid"/>
-                    </a:lnTlToBr>
-                    <a:lnBlToTr w="12700" cmpd="sng">
-                      <a:noFill/>
-                      <a:prstDash val="solid"/>
-                    </a:lnBlToTr>
                     <a:noFill/>
                   </a:tcPr>
                 </a:tc>
@@ -6818,7 +5438,7 @@
                     <a:p>
                       <a:endParaRPr lang="en-US" sz="1400" dirty="0">
                         <a:solidFill>
-                          <a:schemeClr val="tx1"/>
+                          <a:sysClr val="windowText" lastClr="000000"/>
                         </a:solidFill>
                       </a:endParaRPr>
                     </a:p>
@@ -6860,333 +5480,6 @@
                       <a:headEnd type="none" w="med" len="med"/>
                       <a:tailEnd type="none" w="med" len="med"/>
                     </a:lnB>
-                    <a:lnTlToBr w="12700" cmpd="sng">
-                      <a:noFill/>
-                      <a:prstDash val="solid"/>
-                    </a:lnTlToBr>
-                    <a:lnBlToTr w="12700" cmpd="sng">
-                      <a:noFill/>
-                      <a:prstDash val="solid"/>
-                    </a:lnBlToTr>
-                    <a:noFill/>
-                  </a:tcPr>
-                </a:tc>
-                <a:tc>
-                  <a:txBody>
-                    <a:bodyPr/>
-                    <a:lstStyle/>
-                    <a:p>
-                      <a:endParaRPr lang="en-US" sz="1400">
-                        <a:solidFill>
-                          <a:schemeClr val="tx1"/>
-                        </a:solidFill>
-                      </a:endParaRPr>
-                    </a:p>
-                  </a:txBody>
-                  <a:tcPr>
-                    <a:lnL w="12700" cap="flat" cmpd="sng" algn="ctr">
-                      <a:solidFill>
-                        <a:schemeClr val="tx1"/>
-                      </a:solidFill>
-                      <a:prstDash val="solid"/>
-                      <a:round/>
-                      <a:headEnd type="none" w="med" len="med"/>
-                      <a:tailEnd type="none" w="med" len="med"/>
-                    </a:lnL>
-                    <a:lnR w="12700" cap="flat" cmpd="sng" algn="ctr">
-                      <a:solidFill>
-                        <a:schemeClr val="tx1"/>
-                      </a:solidFill>
-                      <a:prstDash val="solid"/>
-                      <a:round/>
-                      <a:headEnd type="none" w="med" len="med"/>
-                      <a:tailEnd type="none" w="med" len="med"/>
-                    </a:lnR>
-                    <a:lnT w="12700" cap="flat" cmpd="sng" algn="ctr">
-                      <a:solidFill>
-                        <a:schemeClr val="tx1"/>
-                      </a:solidFill>
-                      <a:prstDash val="solid"/>
-                      <a:round/>
-                      <a:headEnd type="none" w="med" len="med"/>
-                      <a:tailEnd type="none" w="med" len="med"/>
-                    </a:lnT>
-                    <a:lnB w="12700" cap="flat" cmpd="sng" algn="ctr">
-                      <a:solidFill>
-                        <a:schemeClr val="tx1"/>
-                      </a:solidFill>
-                      <a:prstDash val="solid"/>
-                      <a:round/>
-                      <a:headEnd type="none" w="med" len="med"/>
-                      <a:tailEnd type="none" w="med" len="med"/>
-                    </a:lnB>
-                    <a:lnTlToBr w="12700" cmpd="sng">
-                      <a:noFill/>
-                      <a:prstDash val="solid"/>
-                    </a:lnTlToBr>
-                    <a:lnBlToTr w="12700" cmpd="sng">
-                      <a:noFill/>
-                      <a:prstDash val="solid"/>
-                    </a:lnBlToTr>
-                    <a:noFill/>
-                  </a:tcPr>
-                </a:tc>
-                <a:tc>
-                  <a:txBody>
-                    <a:bodyPr/>
-                    <a:lstStyle/>
-                    <a:p>
-                      <a:endParaRPr lang="en-US" sz="1400">
-                        <a:solidFill>
-                          <a:schemeClr val="tx1"/>
-                        </a:solidFill>
-                      </a:endParaRPr>
-                    </a:p>
-                  </a:txBody>
-                  <a:tcPr>
-                    <a:lnL w="12700" cap="flat" cmpd="sng" algn="ctr">
-                      <a:solidFill>
-                        <a:schemeClr val="tx1"/>
-                      </a:solidFill>
-                      <a:prstDash val="solid"/>
-                      <a:round/>
-                      <a:headEnd type="none" w="med" len="med"/>
-                      <a:tailEnd type="none" w="med" len="med"/>
-                    </a:lnL>
-                    <a:lnR w="12700" cap="flat" cmpd="sng" algn="ctr">
-                      <a:solidFill>
-                        <a:schemeClr val="tx1"/>
-                      </a:solidFill>
-                      <a:prstDash val="solid"/>
-                      <a:round/>
-                      <a:headEnd type="none" w="med" len="med"/>
-                      <a:tailEnd type="none" w="med" len="med"/>
-                    </a:lnR>
-                    <a:lnT w="12700" cap="flat" cmpd="sng" algn="ctr">
-                      <a:solidFill>
-                        <a:schemeClr val="tx1"/>
-                      </a:solidFill>
-                      <a:prstDash val="solid"/>
-                      <a:round/>
-                      <a:headEnd type="none" w="med" len="med"/>
-                      <a:tailEnd type="none" w="med" len="med"/>
-                    </a:lnT>
-                    <a:lnB w="12700" cap="flat" cmpd="sng" algn="ctr">
-                      <a:solidFill>
-                        <a:schemeClr val="tx1"/>
-                      </a:solidFill>
-                      <a:prstDash val="solid"/>
-                      <a:round/>
-                      <a:headEnd type="none" w="med" len="med"/>
-                      <a:tailEnd type="none" w="med" len="med"/>
-                    </a:lnB>
-                    <a:lnTlToBr w="12700" cmpd="sng">
-                      <a:noFill/>
-                      <a:prstDash val="solid"/>
-                    </a:lnTlToBr>
-                    <a:lnBlToTr w="12700" cmpd="sng">
-                      <a:noFill/>
-                      <a:prstDash val="solid"/>
-                    </a:lnBlToTr>
-                    <a:noFill/>
-                  </a:tcPr>
-                </a:tc>
-                <a:extLst>
-                  <a:ext uri="{0D108BD9-81ED-4DB2-BD59-A6C34878D82A}">
-                    <a16:rowId xmlns:a16="http://schemas.microsoft.com/office/drawing/2014/main" val="4002431490"/>
-                  </a:ext>
-                </a:extLst>
-              </a:tr>
-              <a:tr h="193854">
-                <a:tc>
-                  <a:txBody>
-                    <a:bodyPr/>
-                    <a:lstStyle/>
-                    <a:p>
-                      <a:pPr algn="ctr"/>
-                      <a:r>
-                        <a:rPr lang="en-US" sz="1400" dirty="0">
-                          <a:solidFill>
-                            <a:schemeClr val="tx1"/>
-                          </a:solidFill>
-                        </a:rPr>
-                        <a:t>28</a:t>
-                      </a:r>
-                    </a:p>
-                  </a:txBody>
-                  <a:tcPr>
-                    <a:lnL w="12700" cap="flat" cmpd="sng" algn="ctr">
-                      <a:solidFill>
-                        <a:schemeClr val="tx1"/>
-                      </a:solidFill>
-                      <a:prstDash val="solid"/>
-                      <a:round/>
-                      <a:headEnd type="none" w="med" len="med"/>
-                      <a:tailEnd type="none" w="med" len="med"/>
-                    </a:lnL>
-                    <a:lnR w="12700" cap="flat" cmpd="sng" algn="ctr">
-                      <a:solidFill>
-                        <a:schemeClr val="tx1"/>
-                      </a:solidFill>
-                      <a:prstDash val="solid"/>
-                      <a:round/>
-                      <a:headEnd type="none" w="med" len="med"/>
-                      <a:tailEnd type="none" w="med" len="med"/>
-                    </a:lnR>
-                    <a:lnT w="12700" cap="flat" cmpd="sng" algn="ctr">
-                      <a:solidFill>
-                        <a:schemeClr val="tx1"/>
-                      </a:solidFill>
-                      <a:prstDash val="solid"/>
-                      <a:round/>
-                      <a:headEnd type="none" w="med" len="med"/>
-                      <a:tailEnd type="none" w="med" len="med"/>
-                    </a:lnT>
-                    <a:lnB w="12700" cap="flat" cmpd="sng" algn="ctr">
-                      <a:solidFill>
-                        <a:schemeClr val="tx1"/>
-                      </a:solidFill>
-                      <a:prstDash val="solid"/>
-                      <a:round/>
-                      <a:headEnd type="none" w="med" len="med"/>
-                      <a:tailEnd type="none" w="med" len="med"/>
-                    </a:lnB>
-                    <a:lnTlToBr w="12700" cmpd="sng">
-                      <a:noFill/>
-                      <a:prstDash val="solid"/>
-                    </a:lnTlToBr>
-                    <a:lnBlToTr w="12700" cmpd="sng">
-                      <a:noFill/>
-                      <a:prstDash val="solid"/>
-                    </a:lnBlToTr>
-                    <a:noFill/>
-                  </a:tcPr>
-                </a:tc>
-                <a:tc>
-                  <a:txBody>
-                    <a:bodyPr/>
-                    <a:lstStyle/>
-                    <a:p>
-                      <a:pPr algn="ctr"/>
-                      <a:r>
-                        <a:rPr lang="en-US" sz="1400" dirty="0">
-                          <a:solidFill>
-                            <a:schemeClr val="tx1"/>
-                          </a:solidFill>
-                        </a:rPr>
-                        <a:t>-95.4</a:t>
-                      </a:r>
-                    </a:p>
-                  </a:txBody>
-                  <a:tcPr>
-                    <a:lnL w="12700" cap="flat" cmpd="sng" algn="ctr">
-                      <a:solidFill>
-                        <a:schemeClr val="tx1"/>
-                      </a:solidFill>
-                      <a:prstDash val="solid"/>
-                      <a:round/>
-                      <a:headEnd type="none" w="med" len="med"/>
-                      <a:tailEnd type="none" w="med" len="med"/>
-                    </a:lnL>
-                    <a:lnR w="12700" cap="flat" cmpd="sng" algn="ctr">
-                      <a:solidFill>
-                        <a:schemeClr val="tx1"/>
-                      </a:solidFill>
-                      <a:prstDash val="solid"/>
-                      <a:round/>
-                      <a:headEnd type="none" w="med" len="med"/>
-                      <a:tailEnd type="none" w="med" len="med"/>
-                    </a:lnR>
-                    <a:lnT w="12700" cap="flat" cmpd="sng" algn="ctr">
-                      <a:solidFill>
-                        <a:schemeClr val="tx1"/>
-                      </a:solidFill>
-                      <a:prstDash val="solid"/>
-                      <a:round/>
-                      <a:headEnd type="none" w="med" len="med"/>
-                      <a:tailEnd type="none" w="med" len="med"/>
-                    </a:lnT>
-                    <a:lnB w="12700" cap="flat" cmpd="sng" algn="ctr">
-                      <a:solidFill>
-                        <a:schemeClr val="tx1"/>
-                      </a:solidFill>
-                      <a:prstDash val="solid"/>
-                      <a:round/>
-                      <a:headEnd type="none" w="med" len="med"/>
-                      <a:tailEnd type="none" w="med" len="med"/>
-                    </a:lnB>
-                    <a:lnTlToBr w="12700" cmpd="sng">
-                      <a:noFill/>
-                      <a:prstDash val="solid"/>
-                    </a:lnTlToBr>
-                    <a:lnBlToTr w="12700" cmpd="sng">
-                      <a:noFill/>
-                      <a:prstDash val="solid"/>
-                    </a:lnBlToTr>
-                    <a:noFill/>
-                  </a:tcPr>
-                </a:tc>
-                <a:tc>
-                  <a:txBody>
-                    <a:bodyPr/>
-                    <a:lstStyle/>
-                    <a:p>
-                      <a:pPr algn="ctr"/>
-                      <a:r>
-                        <a:rPr lang="en-US" sz="1400" dirty="0">
-                          <a:solidFill>
-                            <a:schemeClr val="tx1"/>
-                          </a:solidFill>
-                        </a:rPr>
-                        <a:t>7</a:t>
-                      </a:r>
-                    </a:p>
-                  </a:txBody>
-                  <a:tcPr>
-                    <a:lnL w="12700" cap="flat" cmpd="sng" algn="ctr">
-                      <a:solidFill>
-                        <a:schemeClr val="tx1"/>
-                      </a:solidFill>
-                      <a:prstDash val="solid"/>
-                      <a:round/>
-                      <a:headEnd type="none" w="med" len="med"/>
-                      <a:tailEnd type="none" w="med" len="med"/>
-                    </a:lnL>
-                    <a:lnR w="12700" cap="flat" cmpd="sng" algn="ctr">
-                      <a:solidFill>
-                        <a:schemeClr val="tx1"/>
-                      </a:solidFill>
-                      <a:prstDash val="solid"/>
-                      <a:round/>
-                      <a:headEnd type="none" w="med" len="med"/>
-                      <a:tailEnd type="none" w="med" len="med"/>
-                    </a:lnR>
-                    <a:lnT w="12700" cap="flat" cmpd="sng" algn="ctr">
-                      <a:solidFill>
-                        <a:schemeClr val="tx1"/>
-                      </a:solidFill>
-                      <a:prstDash val="solid"/>
-                      <a:round/>
-                      <a:headEnd type="none" w="med" len="med"/>
-                      <a:tailEnd type="none" w="med" len="med"/>
-                    </a:lnT>
-                    <a:lnB w="12700" cap="flat" cmpd="sng" algn="ctr">
-                      <a:solidFill>
-                        <a:schemeClr val="tx1"/>
-                      </a:solidFill>
-                      <a:prstDash val="solid"/>
-                      <a:round/>
-                      <a:headEnd type="none" w="med" len="med"/>
-                      <a:tailEnd type="none" w="med" len="med"/>
-                    </a:lnB>
-                    <a:lnTlToBr w="12700" cmpd="sng">
-                      <a:noFill/>
-                      <a:prstDash val="solid"/>
-                    </a:lnTlToBr>
-                    <a:lnBlToTr w="12700" cmpd="sng">
-                      <a:noFill/>
-                      <a:prstDash val="solid"/>
-                    </a:lnBlToTr>
                     <a:noFill/>
                   </a:tcPr>
                 </a:tc>
@@ -7197,7 +5490,7 @@
                     <a:p>
                       <a:endParaRPr lang="en-US" sz="1400" dirty="0">
                         <a:solidFill>
-                          <a:schemeClr val="tx1"/>
+                          <a:sysClr val="windowText" lastClr="000000"/>
                         </a:solidFill>
                       </a:endParaRPr>
                     </a:p>
@@ -7239,14 +5532,6 @@
                       <a:headEnd type="none" w="med" len="med"/>
                       <a:tailEnd type="none" w="med" len="med"/>
                     </a:lnB>
-                    <a:lnTlToBr w="12700" cmpd="sng">
-                      <a:noFill/>
-                      <a:prstDash val="solid"/>
-                    </a:lnTlToBr>
-                    <a:lnBlToTr w="12700" cmpd="sng">
-                      <a:noFill/>
-                      <a:prstDash val="solid"/>
-                    </a:lnBlToTr>
                     <a:noFill/>
                   </a:tcPr>
                 </a:tc>
@@ -7257,7 +5542,7 @@
                     <a:p>
                       <a:endParaRPr lang="en-US" sz="1400" dirty="0">
                         <a:solidFill>
-                          <a:schemeClr val="tx1"/>
+                          <a:sysClr val="windowText" lastClr="000000"/>
                         </a:solidFill>
                       </a:endParaRPr>
                     </a:p>
@@ -7299,14 +5584,6 @@
                       <a:headEnd type="none" w="med" len="med"/>
                       <a:tailEnd type="none" w="med" len="med"/>
                     </a:lnB>
-                    <a:lnTlToBr w="12700" cmpd="sng">
-                      <a:noFill/>
-                      <a:prstDash val="solid"/>
-                    </a:lnTlToBr>
-                    <a:lnBlToTr w="12700" cmpd="sng">
-                      <a:noFill/>
-                      <a:prstDash val="solid"/>
-                    </a:lnBlToTr>
                     <a:noFill/>
                   </a:tcPr>
                 </a:tc>
@@ -7317,7 +5594,7 @@
                     <a:p>
                       <a:endParaRPr lang="en-US" sz="1400" dirty="0">
                         <a:solidFill>
-                          <a:schemeClr val="tx1"/>
+                          <a:sysClr val="windowText" lastClr="000000"/>
                         </a:solidFill>
                       </a:endParaRPr>
                     </a:p>
@@ -7359,633 +5636,6 @@
                       <a:headEnd type="none" w="med" len="med"/>
                       <a:tailEnd type="none" w="med" len="med"/>
                     </a:lnB>
-                    <a:lnTlToBr w="12700" cmpd="sng">
-                      <a:noFill/>
-                      <a:prstDash val="solid"/>
-                    </a:lnTlToBr>
-                    <a:lnBlToTr w="12700" cmpd="sng">
-                      <a:noFill/>
-                      <a:prstDash val="solid"/>
-                    </a:lnBlToTr>
-                    <a:noFill/>
-                  </a:tcPr>
-                </a:tc>
-                <a:tc>
-                  <a:txBody>
-                    <a:bodyPr/>
-                    <a:lstStyle/>
-                    <a:p>
-                      <a:endParaRPr lang="en-US" sz="1400" dirty="0">
-                        <a:solidFill>
-                          <a:schemeClr val="tx1"/>
-                        </a:solidFill>
-                      </a:endParaRPr>
-                    </a:p>
-                  </a:txBody>
-                  <a:tcPr>
-                    <a:lnL w="12700" cap="flat" cmpd="sng" algn="ctr">
-                      <a:solidFill>
-                        <a:schemeClr val="tx1"/>
-                      </a:solidFill>
-                      <a:prstDash val="solid"/>
-                      <a:round/>
-                      <a:headEnd type="none" w="med" len="med"/>
-                      <a:tailEnd type="none" w="med" len="med"/>
-                    </a:lnL>
-                    <a:lnR w="12700" cap="flat" cmpd="sng" algn="ctr">
-                      <a:solidFill>
-                        <a:schemeClr val="tx1"/>
-                      </a:solidFill>
-                      <a:prstDash val="solid"/>
-                      <a:round/>
-                      <a:headEnd type="none" w="med" len="med"/>
-                      <a:tailEnd type="none" w="med" len="med"/>
-                    </a:lnR>
-                    <a:lnT w="12700" cap="flat" cmpd="sng" algn="ctr">
-                      <a:solidFill>
-                        <a:schemeClr val="tx1"/>
-                      </a:solidFill>
-                      <a:prstDash val="solid"/>
-                      <a:round/>
-                      <a:headEnd type="none" w="med" len="med"/>
-                      <a:tailEnd type="none" w="med" len="med"/>
-                    </a:lnT>
-                    <a:lnB w="12700" cap="flat" cmpd="sng" algn="ctr">
-                      <a:solidFill>
-                        <a:schemeClr val="tx1"/>
-                      </a:solidFill>
-                      <a:prstDash val="solid"/>
-                      <a:round/>
-                      <a:headEnd type="none" w="med" len="med"/>
-                      <a:tailEnd type="none" w="med" len="med"/>
-                    </a:lnB>
-                    <a:lnTlToBr w="12700" cmpd="sng">
-                      <a:noFill/>
-                      <a:prstDash val="solid"/>
-                    </a:lnTlToBr>
-                    <a:lnBlToTr w="12700" cmpd="sng">
-                      <a:noFill/>
-                      <a:prstDash val="solid"/>
-                    </a:lnBlToTr>
-                    <a:noFill/>
-                  </a:tcPr>
-                </a:tc>
-                <a:tc>
-                  <a:txBody>
-                    <a:bodyPr/>
-                    <a:lstStyle/>
-                    <a:p>
-                      <a:endParaRPr lang="en-US" sz="1400" dirty="0">
-                        <a:solidFill>
-                          <a:schemeClr val="tx1"/>
-                        </a:solidFill>
-                      </a:endParaRPr>
-                    </a:p>
-                  </a:txBody>
-                  <a:tcPr>
-                    <a:lnL w="12700" cap="flat" cmpd="sng" algn="ctr">
-                      <a:solidFill>
-                        <a:schemeClr val="tx1"/>
-                      </a:solidFill>
-                      <a:prstDash val="solid"/>
-                      <a:round/>
-                      <a:headEnd type="none" w="med" len="med"/>
-                      <a:tailEnd type="none" w="med" len="med"/>
-                    </a:lnL>
-                    <a:lnR w="12700" cap="flat" cmpd="sng" algn="ctr">
-                      <a:solidFill>
-                        <a:schemeClr val="tx1"/>
-                      </a:solidFill>
-                      <a:prstDash val="solid"/>
-                      <a:round/>
-                      <a:headEnd type="none" w="med" len="med"/>
-                      <a:tailEnd type="none" w="med" len="med"/>
-                    </a:lnR>
-                    <a:lnT w="12700" cap="flat" cmpd="sng" algn="ctr">
-                      <a:solidFill>
-                        <a:schemeClr val="tx1"/>
-                      </a:solidFill>
-                      <a:prstDash val="solid"/>
-                      <a:round/>
-                      <a:headEnd type="none" w="med" len="med"/>
-                      <a:tailEnd type="none" w="med" len="med"/>
-                    </a:lnT>
-                    <a:lnB w="12700" cap="flat" cmpd="sng" algn="ctr">
-                      <a:solidFill>
-                        <a:schemeClr val="tx1"/>
-                      </a:solidFill>
-                      <a:prstDash val="solid"/>
-                      <a:round/>
-                      <a:headEnd type="none" w="med" len="med"/>
-                      <a:tailEnd type="none" w="med" len="med"/>
-                    </a:lnB>
-                    <a:lnTlToBr w="12700" cmpd="sng">
-                      <a:noFill/>
-                      <a:prstDash val="solid"/>
-                    </a:lnTlToBr>
-                    <a:lnBlToTr w="12700" cmpd="sng">
-                      <a:noFill/>
-                      <a:prstDash val="solid"/>
-                    </a:lnBlToTr>
-                    <a:noFill/>
-                  </a:tcPr>
-                </a:tc>
-                <a:extLst>
-                  <a:ext uri="{0D108BD9-81ED-4DB2-BD59-A6C34878D82A}">
-                    <a16:rowId xmlns:a16="http://schemas.microsoft.com/office/drawing/2014/main" val="389150309"/>
-                  </a:ext>
-                </a:extLst>
-              </a:tr>
-              <a:tr h="193854">
-                <a:tc>
-                  <a:txBody>
-                    <a:bodyPr/>
-                    <a:lstStyle/>
-                    <a:p>
-                      <a:pPr algn="ctr"/>
-                      <a:r>
-                        <a:rPr lang="en-US" sz="1400" dirty="0">
-                          <a:solidFill>
-                            <a:schemeClr val="tx1"/>
-                          </a:solidFill>
-                        </a:rPr>
-                        <a:t>45</a:t>
-                      </a:r>
-                    </a:p>
-                  </a:txBody>
-                  <a:tcPr>
-                    <a:lnL w="12700" cap="flat" cmpd="sng" algn="ctr">
-                      <a:solidFill>
-                        <a:schemeClr val="tx1"/>
-                      </a:solidFill>
-                      <a:prstDash val="solid"/>
-                      <a:round/>
-                      <a:headEnd type="none" w="med" len="med"/>
-                      <a:tailEnd type="none" w="med" len="med"/>
-                    </a:lnL>
-                    <a:lnR w="12700" cap="flat" cmpd="sng" algn="ctr">
-                      <a:solidFill>
-                        <a:schemeClr val="tx1"/>
-                      </a:solidFill>
-                      <a:prstDash val="solid"/>
-                      <a:round/>
-                      <a:headEnd type="none" w="med" len="med"/>
-                      <a:tailEnd type="none" w="med" len="med"/>
-                    </a:lnR>
-                    <a:lnT w="12700" cap="flat" cmpd="sng" algn="ctr">
-                      <a:solidFill>
-                        <a:schemeClr val="tx1"/>
-                      </a:solidFill>
-                      <a:prstDash val="solid"/>
-                      <a:round/>
-                      <a:headEnd type="none" w="med" len="med"/>
-                      <a:tailEnd type="none" w="med" len="med"/>
-                    </a:lnT>
-                    <a:lnB w="12700" cap="flat" cmpd="sng" algn="ctr">
-                      <a:solidFill>
-                        <a:schemeClr val="tx1"/>
-                      </a:solidFill>
-                      <a:prstDash val="solid"/>
-                      <a:round/>
-                      <a:headEnd type="none" w="med" len="med"/>
-                      <a:tailEnd type="none" w="med" len="med"/>
-                    </a:lnB>
-                    <a:lnTlToBr w="12700" cmpd="sng">
-                      <a:noFill/>
-                      <a:prstDash val="solid"/>
-                    </a:lnTlToBr>
-                    <a:lnBlToTr w="12700" cmpd="sng">
-                      <a:noFill/>
-                      <a:prstDash val="solid"/>
-                    </a:lnBlToTr>
-                    <a:noFill/>
-                  </a:tcPr>
-                </a:tc>
-                <a:tc>
-                  <a:txBody>
-                    <a:bodyPr/>
-                    <a:lstStyle/>
-                    <a:p>
-                      <a:pPr algn="ctr"/>
-                      <a:r>
-                        <a:rPr lang="en-US" sz="1400" dirty="0">
-                          <a:solidFill>
-                            <a:schemeClr val="tx1"/>
-                          </a:solidFill>
-                        </a:rPr>
-                        <a:t>-93.3</a:t>
-                      </a:r>
-                    </a:p>
-                  </a:txBody>
-                  <a:tcPr>
-                    <a:lnL w="12700" cap="flat" cmpd="sng" algn="ctr">
-                      <a:solidFill>
-                        <a:schemeClr val="tx1"/>
-                      </a:solidFill>
-                      <a:prstDash val="solid"/>
-                      <a:round/>
-                      <a:headEnd type="none" w="med" len="med"/>
-                      <a:tailEnd type="none" w="med" len="med"/>
-                    </a:lnL>
-                    <a:lnR w="12700" cap="flat" cmpd="sng" algn="ctr">
-                      <a:solidFill>
-                        <a:schemeClr val="tx1"/>
-                      </a:solidFill>
-                      <a:prstDash val="solid"/>
-                      <a:round/>
-                      <a:headEnd type="none" w="med" len="med"/>
-                      <a:tailEnd type="none" w="med" len="med"/>
-                    </a:lnR>
-                    <a:lnT w="12700" cap="flat" cmpd="sng" algn="ctr">
-                      <a:solidFill>
-                        <a:schemeClr val="tx1"/>
-                      </a:solidFill>
-                      <a:prstDash val="solid"/>
-                      <a:round/>
-                      <a:headEnd type="none" w="med" len="med"/>
-                      <a:tailEnd type="none" w="med" len="med"/>
-                    </a:lnT>
-                    <a:lnB w="12700" cap="flat" cmpd="sng" algn="ctr">
-                      <a:solidFill>
-                        <a:schemeClr val="tx1"/>
-                      </a:solidFill>
-                      <a:prstDash val="solid"/>
-                      <a:round/>
-                      <a:headEnd type="none" w="med" len="med"/>
-                      <a:tailEnd type="none" w="med" len="med"/>
-                    </a:lnB>
-                    <a:lnTlToBr w="12700" cmpd="sng">
-                      <a:noFill/>
-                      <a:prstDash val="solid"/>
-                    </a:lnTlToBr>
-                    <a:lnBlToTr w="12700" cmpd="sng">
-                      <a:noFill/>
-                      <a:prstDash val="solid"/>
-                    </a:lnBlToTr>
-                    <a:noFill/>
-                  </a:tcPr>
-                </a:tc>
-                <a:tc>
-                  <a:txBody>
-                    <a:bodyPr/>
-                    <a:lstStyle/>
-                    <a:p>
-                      <a:pPr algn="ctr"/>
-                      <a:r>
-                        <a:rPr lang="en-US" sz="1400" dirty="0">
-                          <a:solidFill>
-                            <a:schemeClr val="tx1"/>
-                          </a:solidFill>
-                        </a:rPr>
-                        <a:t>2</a:t>
-                      </a:r>
-                    </a:p>
-                  </a:txBody>
-                  <a:tcPr>
-                    <a:lnL w="12700" cap="flat" cmpd="sng" algn="ctr">
-                      <a:solidFill>
-                        <a:schemeClr val="tx1"/>
-                      </a:solidFill>
-                      <a:prstDash val="solid"/>
-                      <a:round/>
-                      <a:headEnd type="none" w="med" len="med"/>
-                      <a:tailEnd type="none" w="med" len="med"/>
-                    </a:lnL>
-                    <a:lnR w="12700" cap="flat" cmpd="sng" algn="ctr">
-                      <a:solidFill>
-                        <a:schemeClr val="tx1"/>
-                      </a:solidFill>
-                      <a:prstDash val="solid"/>
-                      <a:round/>
-                      <a:headEnd type="none" w="med" len="med"/>
-                      <a:tailEnd type="none" w="med" len="med"/>
-                    </a:lnR>
-                    <a:lnT w="12700" cap="flat" cmpd="sng" algn="ctr">
-                      <a:solidFill>
-                        <a:schemeClr val="tx1"/>
-                      </a:solidFill>
-                      <a:prstDash val="solid"/>
-                      <a:round/>
-                      <a:headEnd type="none" w="med" len="med"/>
-                      <a:tailEnd type="none" w="med" len="med"/>
-                    </a:lnT>
-                    <a:lnB w="12700" cap="flat" cmpd="sng" algn="ctr">
-                      <a:solidFill>
-                        <a:schemeClr val="tx1"/>
-                      </a:solidFill>
-                      <a:prstDash val="solid"/>
-                      <a:round/>
-                      <a:headEnd type="none" w="med" len="med"/>
-                      <a:tailEnd type="none" w="med" len="med"/>
-                    </a:lnB>
-                    <a:lnTlToBr w="12700" cmpd="sng">
-                      <a:noFill/>
-                      <a:prstDash val="solid"/>
-                    </a:lnTlToBr>
-                    <a:lnBlToTr w="12700" cmpd="sng">
-                      <a:noFill/>
-                      <a:prstDash val="solid"/>
-                    </a:lnBlToTr>
-                    <a:noFill/>
-                  </a:tcPr>
-                </a:tc>
-                <a:tc>
-                  <a:txBody>
-                    <a:bodyPr/>
-                    <a:lstStyle/>
-                    <a:p>
-                      <a:endParaRPr lang="en-US" sz="1400">
-                        <a:solidFill>
-                          <a:schemeClr val="tx1"/>
-                        </a:solidFill>
-                      </a:endParaRPr>
-                    </a:p>
-                  </a:txBody>
-                  <a:tcPr>
-                    <a:lnL w="12700" cap="flat" cmpd="sng" algn="ctr">
-                      <a:solidFill>
-                        <a:schemeClr val="tx1"/>
-                      </a:solidFill>
-                      <a:prstDash val="solid"/>
-                      <a:round/>
-                      <a:headEnd type="none" w="med" len="med"/>
-                      <a:tailEnd type="none" w="med" len="med"/>
-                    </a:lnL>
-                    <a:lnR w="12700" cap="flat" cmpd="sng" algn="ctr">
-                      <a:solidFill>
-                        <a:schemeClr val="tx1"/>
-                      </a:solidFill>
-                      <a:prstDash val="solid"/>
-                      <a:round/>
-                      <a:headEnd type="none" w="med" len="med"/>
-                      <a:tailEnd type="none" w="med" len="med"/>
-                    </a:lnR>
-                    <a:lnT w="12700" cap="flat" cmpd="sng" algn="ctr">
-                      <a:solidFill>
-                        <a:schemeClr val="tx1"/>
-                      </a:solidFill>
-                      <a:prstDash val="solid"/>
-                      <a:round/>
-                      <a:headEnd type="none" w="med" len="med"/>
-                      <a:tailEnd type="none" w="med" len="med"/>
-                    </a:lnT>
-                    <a:lnB w="12700" cap="flat" cmpd="sng" algn="ctr">
-                      <a:solidFill>
-                        <a:schemeClr val="tx1"/>
-                      </a:solidFill>
-                      <a:prstDash val="solid"/>
-                      <a:round/>
-                      <a:headEnd type="none" w="med" len="med"/>
-                      <a:tailEnd type="none" w="med" len="med"/>
-                    </a:lnB>
-                    <a:lnTlToBr w="12700" cmpd="sng">
-                      <a:noFill/>
-                      <a:prstDash val="solid"/>
-                    </a:lnTlToBr>
-                    <a:lnBlToTr w="12700" cmpd="sng">
-                      <a:noFill/>
-                      <a:prstDash val="solid"/>
-                    </a:lnBlToTr>
-                    <a:noFill/>
-                  </a:tcPr>
-                </a:tc>
-                <a:tc>
-                  <a:txBody>
-                    <a:bodyPr/>
-                    <a:lstStyle/>
-                    <a:p>
-                      <a:endParaRPr lang="en-US" sz="1400">
-                        <a:solidFill>
-                          <a:schemeClr val="tx1"/>
-                        </a:solidFill>
-                      </a:endParaRPr>
-                    </a:p>
-                  </a:txBody>
-                  <a:tcPr>
-                    <a:lnL w="12700" cap="flat" cmpd="sng" algn="ctr">
-                      <a:solidFill>
-                        <a:schemeClr val="tx1"/>
-                      </a:solidFill>
-                      <a:prstDash val="solid"/>
-                      <a:round/>
-                      <a:headEnd type="none" w="med" len="med"/>
-                      <a:tailEnd type="none" w="med" len="med"/>
-                    </a:lnL>
-                    <a:lnR w="12700" cap="flat" cmpd="sng" algn="ctr">
-                      <a:solidFill>
-                        <a:schemeClr val="tx1"/>
-                      </a:solidFill>
-                      <a:prstDash val="solid"/>
-                      <a:round/>
-                      <a:headEnd type="none" w="med" len="med"/>
-                      <a:tailEnd type="none" w="med" len="med"/>
-                    </a:lnR>
-                    <a:lnT w="12700" cap="flat" cmpd="sng" algn="ctr">
-                      <a:solidFill>
-                        <a:schemeClr val="tx1"/>
-                      </a:solidFill>
-                      <a:prstDash val="solid"/>
-                      <a:round/>
-                      <a:headEnd type="none" w="med" len="med"/>
-                      <a:tailEnd type="none" w="med" len="med"/>
-                    </a:lnT>
-                    <a:lnB w="12700" cap="flat" cmpd="sng" algn="ctr">
-                      <a:solidFill>
-                        <a:schemeClr val="tx1"/>
-                      </a:solidFill>
-                      <a:prstDash val="solid"/>
-                      <a:round/>
-                      <a:headEnd type="none" w="med" len="med"/>
-                      <a:tailEnd type="none" w="med" len="med"/>
-                    </a:lnB>
-                    <a:lnTlToBr w="12700" cmpd="sng">
-                      <a:noFill/>
-                      <a:prstDash val="solid"/>
-                    </a:lnTlToBr>
-                    <a:lnBlToTr w="12700" cmpd="sng">
-                      <a:noFill/>
-                      <a:prstDash val="solid"/>
-                    </a:lnBlToTr>
-                    <a:noFill/>
-                  </a:tcPr>
-                </a:tc>
-                <a:tc>
-                  <a:txBody>
-                    <a:bodyPr/>
-                    <a:lstStyle/>
-                    <a:p>
-                      <a:endParaRPr lang="en-US" sz="1400">
-                        <a:solidFill>
-                          <a:schemeClr val="tx1"/>
-                        </a:solidFill>
-                      </a:endParaRPr>
-                    </a:p>
-                  </a:txBody>
-                  <a:tcPr>
-                    <a:lnL w="12700" cap="flat" cmpd="sng" algn="ctr">
-                      <a:solidFill>
-                        <a:schemeClr val="tx1"/>
-                      </a:solidFill>
-                      <a:prstDash val="solid"/>
-                      <a:round/>
-                      <a:headEnd type="none" w="med" len="med"/>
-                      <a:tailEnd type="none" w="med" len="med"/>
-                    </a:lnL>
-                    <a:lnR w="12700" cap="flat" cmpd="sng" algn="ctr">
-                      <a:solidFill>
-                        <a:schemeClr val="tx1"/>
-                      </a:solidFill>
-                      <a:prstDash val="solid"/>
-                      <a:round/>
-                      <a:headEnd type="none" w="med" len="med"/>
-                      <a:tailEnd type="none" w="med" len="med"/>
-                    </a:lnR>
-                    <a:lnT w="12700" cap="flat" cmpd="sng" algn="ctr">
-                      <a:solidFill>
-                        <a:schemeClr val="tx1"/>
-                      </a:solidFill>
-                      <a:prstDash val="solid"/>
-                      <a:round/>
-                      <a:headEnd type="none" w="med" len="med"/>
-                      <a:tailEnd type="none" w="med" len="med"/>
-                    </a:lnT>
-                    <a:lnB w="12700" cap="flat" cmpd="sng" algn="ctr">
-                      <a:solidFill>
-                        <a:schemeClr val="tx1"/>
-                      </a:solidFill>
-                      <a:prstDash val="solid"/>
-                      <a:round/>
-                      <a:headEnd type="none" w="med" len="med"/>
-                      <a:tailEnd type="none" w="med" len="med"/>
-                    </a:lnB>
-                    <a:lnTlToBr w="12700" cmpd="sng">
-                      <a:noFill/>
-                      <a:prstDash val="solid"/>
-                    </a:lnTlToBr>
-                    <a:lnBlToTr w="12700" cmpd="sng">
-                      <a:noFill/>
-                      <a:prstDash val="solid"/>
-                    </a:lnBlToTr>
-                    <a:noFill/>
-                  </a:tcPr>
-                </a:tc>
-                <a:tc>
-                  <a:txBody>
-                    <a:bodyPr/>
-                    <a:lstStyle/>
-                    <a:p>
-                      <a:endParaRPr lang="en-US" sz="1400" dirty="0">
-                        <a:solidFill>
-                          <a:schemeClr val="tx1"/>
-                        </a:solidFill>
-                      </a:endParaRPr>
-                    </a:p>
-                  </a:txBody>
-                  <a:tcPr>
-                    <a:lnL w="12700" cap="flat" cmpd="sng" algn="ctr">
-                      <a:solidFill>
-                        <a:schemeClr val="tx1"/>
-                      </a:solidFill>
-                      <a:prstDash val="solid"/>
-                      <a:round/>
-                      <a:headEnd type="none" w="med" len="med"/>
-                      <a:tailEnd type="none" w="med" len="med"/>
-                    </a:lnL>
-                    <a:lnR w="12700" cap="flat" cmpd="sng" algn="ctr">
-                      <a:solidFill>
-                        <a:schemeClr val="tx1"/>
-                      </a:solidFill>
-                      <a:prstDash val="solid"/>
-                      <a:round/>
-                      <a:headEnd type="none" w="med" len="med"/>
-                      <a:tailEnd type="none" w="med" len="med"/>
-                    </a:lnR>
-                    <a:lnT w="12700" cap="flat" cmpd="sng" algn="ctr">
-                      <a:solidFill>
-                        <a:schemeClr val="tx1"/>
-                      </a:solidFill>
-                      <a:prstDash val="solid"/>
-                      <a:round/>
-                      <a:headEnd type="none" w="med" len="med"/>
-                      <a:tailEnd type="none" w="med" len="med"/>
-                    </a:lnT>
-                    <a:lnB w="12700" cap="flat" cmpd="sng" algn="ctr">
-                      <a:solidFill>
-                        <a:schemeClr val="tx1"/>
-                      </a:solidFill>
-                      <a:prstDash val="solid"/>
-                      <a:round/>
-                      <a:headEnd type="none" w="med" len="med"/>
-                      <a:tailEnd type="none" w="med" len="med"/>
-                    </a:lnB>
-                    <a:lnTlToBr w="12700" cmpd="sng">
-                      <a:noFill/>
-                      <a:prstDash val="solid"/>
-                    </a:lnTlToBr>
-                    <a:lnBlToTr w="12700" cmpd="sng">
-                      <a:noFill/>
-                      <a:prstDash val="solid"/>
-                    </a:lnBlToTr>
-                    <a:noFill/>
-                  </a:tcPr>
-                </a:tc>
-                <a:tc>
-                  <a:txBody>
-                    <a:bodyPr/>
-                    <a:lstStyle/>
-                    <a:p>
-                      <a:endParaRPr lang="en-US" sz="1400" dirty="0">
-                        <a:solidFill>
-                          <a:schemeClr val="tx1"/>
-                        </a:solidFill>
-                      </a:endParaRPr>
-                    </a:p>
-                  </a:txBody>
-                  <a:tcPr>
-                    <a:lnL w="12700" cap="flat" cmpd="sng" algn="ctr">
-                      <a:solidFill>
-                        <a:schemeClr val="tx1"/>
-                      </a:solidFill>
-                      <a:prstDash val="solid"/>
-                      <a:round/>
-                      <a:headEnd type="none" w="med" len="med"/>
-                      <a:tailEnd type="none" w="med" len="med"/>
-                    </a:lnL>
-                    <a:lnR w="12700" cap="flat" cmpd="sng" algn="ctr">
-                      <a:solidFill>
-                        <a:schemeClr val="tx1"/>
-                      </a:solidFill>
-                      <a:prstDash val="solid"/>
-                      <a:round/>
-                      <a:headEnd type="none" w="med" len="med"/>
-                      <a:tailEnd type="none" w="med" len="med"/>
-                    </a:lnR>
-                    <a:lnT w="12700" cap="flat" cmpd="sng" algn="ctr">
-                      <a:solidFill>
-                        <a:schemeClr val="tx1"/>
-                      </a:solidFill>
-                      <a:prstDash val="solid"/>
-                      <a:round/>
-                      <a:headEnd type="none" w="med" len="med"/>
-                      <a:tailEnd type="none" w="med" len="med"/>
-                    </a:lnT>
-                    <a:lnB w="12700" cap="flat" cmpd="sng" algn="ctr">
-                      <a:solidFill>
-                        <a:schemeClr val="tx1"/>
-                      </a:solidFill>
-                      <a:prstDash val="solid"/>
-                      <a:round/>
-                      <a:headEnd type="none" w="med" len="med"/>
-                      <a:tailEnd type="none" w="med" len="med"/>
-                    </a:lnB>
-                    <a:lnTlToBr w="12700" cmpd="sng">
-                      <a:noFill/>
-                      <a:prstDash val="solid"/>
-                    </a:lnTlToBr>
-                    <a:lnBlToTr w="12700" cmpd="sng">
-                      <a:noFill/>
-                      <a:prstDash val="solid"/>
-                    </a:lnBlToTr>
                     <a:noFill/>
                   </a:tcPr>
                 </a:tc>
@@ -8013,7 +5663,7 @@
         </p:nvSpPr>
         <p:spPr>
           <a:xfrm>
-            <a:off x="3640890" y="2580951"/>
+            <a:off x="2231969" y="3000086"/>
             <a:ext cx="1601721" cy="307777"/>
           </a:xfrm>
           <a:prstGeom prst="rect">
@@ -8048,81 +5698,7 @@
         </p:nvSpPr>
         <p:spPr>
           <a:xfrm>
-            <a:off x="7642726" y="2580951"/>
-            <a:ext cx="1520866" cy="307777"/>
-          </a:xfrm>
-          <a:prstGeom prst="rect">
-            <a:avLst/>
-          </a:prstGeom>
-          <a:noFill/>
-        </p:spPr>
-        <p:txBody>
-          <a:bodyPr wrap="none" rtlCol="0">
-            <a:spAutoFit/>
-          </a:bodyPr>
-          <a:lstStyle/>
-          <a:p>
-            <a:r>
-              <a:rPr lang="en-US" sz="1400" b="1" dirty="0">
-                <a:solidFill>
-                  <a:srgbClr val="00B050"/>
-                </a:solidFill>
-              </a:rPr>
-              <a:t>Optional Columns</a:t>
-            </a:r>
-          </a:p>
-        </p:txBody>
-      </p:sp>
-      <p:sp>
-        <p:nvSpPr>
-          <p:cNvPr id="11" name="TextBox 10">
-            <a:extLst>
-              <a:ext uri="{FF2B5EF4-FFF2-40B4-BE49-F238E27FC236}">
-                <a16:creationId xmlns:a16="http://schemas.microsoft.com/office/drawing/2014/main" id="{9C4633B6-36E3-40B7-842F-D94CB88B88B8}"/>
-              </a:ext>
-            </a:extLst>
-          </p:cNvPr>
-          <p:cNvSpPr txBox="1"/>
-          <p:nvPr/>
-        </p:nvSpPr>
-        <p:spPr>
-          <a:xfrm>
-            <a:off x="3636965" y="4600603"/>
-            <a:ext cx="1601721" cy="307777"/>
-          </a:xfrm>
-          <a:prstGeom prst="rect">
-            <a:avLst/>
-          </a:prstGeom>
-          <a:noFill/>
-        </p:spPr>
-        <p:txBody>
-          <a:bodyPr wrap="none" rtlCol="0">
-            <a:spAutoFit/>
-          </a:bodyPr>
-          <a:lstStyle/>
-          <a:p>
-            <a:r>
-              <a:rPr lang="en-US" sz="1400" b="1" dirty="0"/>
-              <a:t>Minimum Columns</a:t>
-            </a:r>
-          </a:p>
-        </p:txBody>
-      </p:sp>
-      <p:sp>
-        <p:nvSpPr>
-          <p:cNvPr id="12" name="TextBox 11">
-            <a:extLst>
-              <a:ext uri="{FF2B5EF4-FFF2-40B4-BE49-F238E27FC236}">
-                <a16:creationId xmlns:a16="http://schemas.microsoft.com/office/drawing/2014/main" id="{5134E8E8-520D-4258-A945-23C5E42DA4BF}"/>
-              </a:ext>
-            </a:extLst>
-          </p:cNvPr>
-          <p:cNvSpPr txBox="1"/>
-          <p:nvPr/>
-        </p:nvSpPr>
-        <p:spPr>
-          <a:xfrm>
-            <a:off x="7757321" y="4600603"/>
+            <a:off x="6118239" y="3000085"/>
             <a:ext cx="1520866" cy="307777"/>
           </a:xfrm>
           <a:prstGeom prst="rect">
@@ -8446,7 +6022,7 @@
         <p:spPr>
           <a:xfrm>
             <a:off x="508518" y="2276668"/>
-            <a:ext cx="10935478" cy="4413383"/>
+            <a:ext cx="10935478" cy="2976467"/>
           </a:xfrm>
           <a:prstGeom prst="rect">
             <a:avLst/>
@@ -8530,76 +6106,6 @@
                 <a:latin typeface="+mn-lt"/>
               </a:rPr>
               <a:t>.csv Files templates</a:t>
-            </a:r>
-          </a:p>
-        </p:txBody>
-      </p:sp>
-      <p:sp>
-        <p:nvSpPr>
-          <p:cNvPr id="23" name="TextBox 22">
-            <a:extLst>
-              <a:ext uri="{FF2B5EF4-FFF2-40B4-BE49-F238E27FC236}">
-                <a16:creationId xmlns:a16="http://schemas.microsoft.com/office/drawing/2014/main" id="{FDF4C1E1-32BE-4B24-9D93-FDF09C1890B9}"/>
-              </a:ext>
-            </a:extLst>
-          </p:cNvPr>
-          <p:cNvSpPr txBox="1"/>
-          <p:nvPr/>
-        </p:nvSpPr>
-        <p:spPr>
-          <a:xfrm>
-            <a:off x="1601755" y="3609481"/>
-            <a:ext cx="1167179" cy="307777"/>
-          </a:xfrm>
-          <a:prstGeom prst="rect">
-            <a:avLst/>
-          </a:prstGeom>
-          <a:noFill/>
-        </p:spPr>
-        <p:txBody>
-          <a:bodyPr wrap="none" rtlCol="0">
-            <a:spAutoFit/>
-          </a:bodyPr>
-          <a:lstStyle/>
-          <a:p>
-            <a:r>
-              <a:rPr lang="en-US" sz="1400" b="1" dirty="0"/>
-              <a:t>Polygon Data</a:t>
-            </a:r>
-          </a:p>
-        </p:txBody>
-      </p:sp>
-      <p:sp>
-        <p:nvSpPr>
-          <p:cNvPr id="24" name="TextBox 23">
-            <a:extLst>
-              <a:ext uri="{FF2B5EF4-FFF2-40B4-BE49-F238E27FC236}">
-                <a16:creationId xmlns:a16="http://schemas.microsoft.com/office/drawing/2014/main" id="{8C735CC5-B828-44F3-8933-6325A9A71829}"/>
-              </a:ext>
-            </a:extLst>
-          </p:cNvPr>
-          <p:cNvSpPr txBox="1"/>
-          <p:nvPr/>
-        </p:nvSpPr>
-        <p:spPr>
-          <a:xfrm>
-            <a:off x="1633116" y="5597276"/>
-            <a:ext cx="1175130" cy="307777"/>
-          </a:xfrm>
-          <a:prstGeom prst="rect">
-            <a:avLst/>
-          </a:prstGeom>
-          <a:noFill/>
-        </p:spPr>
-        <p:txBody>
-          <a:bodyPr wrap="none" rtlCol="0">
-            <a:spAutoFit/>
-          </a:bodyPr>
-          <a:lstStyle/>
-          <a:p>
-            <a:r>
-              <a:rPr lang="en-US" sz="1400" b="1" dirty="0"/>
-              <a:t>Gridded Data</a:t>
             </a:r>
           </a:p>
         </p:txBody>
